--- a/0050_parallel/rtl/schematic/parallel_recv.pptx
+++ b/0050_parallel/rtl/schematic/parallel_recv.pptx
@@ -197,7 +197,7 @@
           <a:p>
             <a:fld id="{B9E5BF02-4A65-43B2-AA51-912306618617}" type="datetimeFigureOut">
               <a:rPr lang="en-US" smtClean="0"/>
-              <a:t>9/7/2017</a:t>
+              <a:t>9/20/2017</a:t>
             </a:fld>
             <a:endParaRPr lang="en-US"/>
           </a:p>
@@ -685,7 +685,7 @@
           <a:p>
             <a:fld id="{F8F920B2-3E99-4C9D-9450-62A3DEC5476B}" type="datetimeFigureOut">
               <a:rPr lang="en-US" smtClean="0"/>
-              <a:t>9/7/2017</a:t>
+              <a:t>9/20/2017</a:t>
             </a:fld>
             <a:endParaRPr lang="en-US"/>
           </a:p>
@@ -855,7 +855,7 @@
           <a:p>
             <a:fld id="{F8F920B2-3E99-4C9D-9450-62A3DEC5476B}" type="datetimeFigureOut">
               <a:rPr lang="en-US" smtClean="0"/>
-              <a:t>9/7/2017</a:t>
+              <a:t>9/20/2017</a:t>
             </a:fld>
             <a:endParaRPr lang="en-US"/>
           </a:p>
@@ -1035,7 +1035,7 @@
           <a:p>
             <a:fld id="{F8F920B2-3E99-4C9D-9450-62A3DEC5476B}" type="datetimeFigureOut">
               <a:rPr lang="en-US" smtClean="0"/>
-              <a:t>9/7/2017</a:t>
+              <a:t>9/20/2017</a:t>
             </a:fld>
             <a:endParaRPr lang="en-US"/>
           </a:p>
@@ -1205,7 +1205,7 @@
           <a:p>
             <a:fld id="{F8F920B2-3E99-4C9D-9450-62A3DEC5476B}" type="datetimeFigureOut">
               <a:rPr lang="en-US" smtClean="0"/>
-              <a:t>9/7/2017</a:t>
+              <a:t>9/20/2017</a:t>
             </a:fld>
             <a:endParaRPr lang="en-US"/>
           </a:p>
@@ -1449,7 +1449,7 @@
           <a:p>
             <a:fld id="{F8F920B2-3E99-4C9D-9450-62A3DEC5476B}" type="datetimeFigureOut">
               <a:rPr lang="en-US" smtClean="0"/>
-              <a:t>9/7/2017</a:t>
+              <a:t>9/20/2017</a:t>
             </a:fld>
             <a:endParaRPr lang="en-US"/>
           </a:p>
@@ -1681,7 +1681,7 @@
           <a:p>
             <a:fld id="{F8F920B2-3E99-4C9D-9450-62A3DEC5476B}" type="datetimeFigureOut">
               <a:rPr lang="en-US" smtClean="0"/>
-              <a:t>9/7/2017</a:t>
+              <a:t>9/20/2017</a:t>
             </a:fld>
             <a:endParaRPr lang="en-US"/>
           </a:p>
@@ -2048,7 +2048,7 @@
           <a:p>
             <a:fld id="{F8F920B2-3E99-4C9D-9450-62A3DEC5476B}" type="datetimeFigureOut">
               <a:rPr lang="en-US" smtClean="0"/>
-              <a:t>9/7/2017</a:t>
+              <a:t>9/20/2017</a:t>
             </a:fld>
             <a:endParaRPr lang="en-US"/>
           </a:p>
@@ -2166,7 +2166,7 @@
           <a:p>
             <a:fld id="{F8F920B2-3E99-4C9D-9450-62A3DEC5476B}" type="datetimeFigureOut">
               <a:rPr lang="en-US" smtClean="0"/>
-              <a:t>9/7/2017</a:t>
+              <a:t>9/20/2017</a:t>
             </a:fld>
             <a:endParaRPr lang="en-US"/>
           </a:p>
@@ -2261,7 +2261,7 @@
           <a:p>
             <a:fld id="{F8F920B2-3E99-4C9D-9450-62A3DEC5476B}" type="datetimeFigureOut">
               <a:rPr lang="en-US" smtClean="0"/>
-              <a:t>9/7/2017</a:t>
+              <a:t>9/20/2017</a:t>
             </a:fld>
             <a:endParaRPr lang="en-US"/>
           </a:p>
@@ -2538,7 +2538,7 @@
           <a:p>
             <a:fld id="{F8F920B2-3E99-4C9D-9450-62A3DEC5476B}" type="datetimeFigureOut">
               <a:rPr lang="en-US" smtClean="0"/>
-              <a:t>9/7/2017</a:t>
+              <a:t>9/20/2017</a:t>
             </a:fld>
             <a:endParaRPr lang="en-US"/>
           </a:p>
@@ -2795,7 +2795,7 @@
           <a:p>
             <a:fld id="{F8F920B2-3E99-4C9D-9450-62A3DEC5476B}" type="datetimeFigureOut">
               <a:rPr lang="en-US" smtClean="0"/>
-              <a:t>9/7/2017</a:t>
+              <a:t>9/20/2017</a:t>
             </a:fld>
             <a:endParaRPr lang="en-US"/>
           </a:p>
@@ -3008,7 +3008,7 @@
           <a:p>
             <a:fld id="{F8F920B2-3E99-4C9D-9450-62A3DEC5476B}" type="datetimeFigureOut">
               <a:rPr lang="en-US" smtClean="0"/>
-              <a:t>9/7/2017</a:t>
+              <a:t>9/20/2017</a:t>
             </a:fld>
             <a:endParaRPr lang="en-US"/>
           </a:p>
@@ -8071,14 +8071,14 @@
           <a:lstStyle/>
           <a:p>
             <a:r>
-              <a:rPr lang="en-US" sz="900" dirty="0" err="1">
+              <a:rPr lang="en-US" sz="900" smtClean="0">
                 <a:solidFill>
                   <a:srgbClr val="000000"/>
                 </a:solidFill>
                 <a:latin typeface="Courier New" panose="02070309020205020404" pitchFamily="49" charset="0"/>
                 <a:cs typeface="Courier New" panose="02070309020205020404" pitchFamily="49" charset="0"/>
               </a:rPr>
-              <a:t>err_cnt</a:t>
+              <a:t>ERR_CNT</a:t>
             </a:r>
             <a:endParaRPr lang="en-US" sz="900" dirty="0">
               <a:solidFill>

--- a/0050_parallel/rtl/schematic/parallel_recv.pptx
+++ b/0050_parallel/rtl/schematic/parallel_recv.pptx
@@ -197,7 +197,7 @@
           <a:p>
             <a:fld id="{B9E5BF02-4A65-43B2-AA51-912306618617}" type="datetimeFigureOut">
               <a:rPr lang="en-US" smtClean="0"/>
-              <a:t>9/20/2017</a:t>
+              <a:t>9/21/2017</a:t>
             </a:fld>
             <a:endParaRPr lang="en-US"/>
           </a:p>
@@ -685,7 +685,7 @@
           <a:p>
             <a:fld id="{F8F920B2-3E99-4C9D-9450-62A3DEC5476B}" type="datetimeFigureOut">
               <a:rPr lang="en-US" smtClean="0"/>
-              <a:t>9/20/2017</a:t>
+              <a:t>9/21/2017</a:t>
             </a:fld>
             <a:endParaRPr lang="en-US"/>
           </a:p>
@@ -855,7 +855,7 @@
           <a:p>
             <a:fld id="{F8F920B2-3E99-4C9D-9450-62A3DEC5476B}" type="datetimeFigureOut">
               <a:rPr lang="en-US" smtClean="0"/>
-              <a:t>9/20/2017</a:t>
+              <a:t>9/21/2017</a:t>
             </a:fld>
             <a:endParaRPr lang="en-US"/>
           </a:p>
@@ -1035,7 +1035,7 @@
           <a:p>
             <a:fld id="{F8F920B2-3E99-4C9D-9450-62A3DEC5476B}" type="datetimeFigureOut">
               <a:rPr lang="en-US" smtClean="0"/>
-              <a:t>9/20/2017</a:t>
+              <a:t>9/21/2017</a:t>
             </a:fld>
             <a:endParaRPr lang="en-US"/>
           </a:p>
@@ -1205,7 +1205,7 @@
           <a:p>
             <a:fld id="{F8F920B2-3E99-4C9D-9450-62A3DEC5476B}" type="datetimeFigureOut">
               <a:rPr lang="en-US" smtClean="0"/>
-              <a:t>9/20/2017</a:t>
+              <a:t>9/21/2017</a:t>
             </a:fld>
             <a:endParaRPr lang="en-US"/>
           </a:p>
@@ -1449,7 +1449,7 @@
           <a:p>
             <a:fld id="{F8F920B2-3E99-4C9D-9450-62A3DEC5476B}" type="datetimeFigureOut">
               <a:rPr lang="en-US" smtClean="0"/>
-              <a:t>9/20/2017</a:t>
+              <a:t>9/21/2017</a:t>
             </a:fld>
             <a:endParaRPr lang="en-US"/>
           </a:p>
@@ -1681,7 +1681,7 @@
           <a:p>
             <a:fld id="{F8F920B2-3E99-4C9D-9450-62A3DEC5476B}" type="datetimeFigureOut">
               <a:rPr lang="en-US" smtClean="0"/>
-              <a:t>9/20/2017</a:t>
+              <a:t>9/21/2017</a:t>
             </a:fld>
             <a:endParaRPr lang="en-US"/>
           </a:p>
@@ -2048,7 +2048,7 @@
           <a:p>
             <a:fld id="{F8F920B2-3E99-4C9D-9450-62A3DEC5476B}" type="datetimeFigureOut">
               <a:rPr lang="en-US" smtClean="0"/>
-              <a:t>9/20/2017</a:t>
+              <a:t>9/21/2017</a:t>
             </a:fld>
             <a:endParaRPr lang="en-US"/>
           </a:p>
@@ -2166,7 +2166,7 @@
           <a:p>
             <a:fld id="{F8F920B2-3E99-4C9D-9450-62A3DEC5476B}" type="datetimeFigureOut">
               <a:rPr lang="en-US" smtClean="0"/>
-              <a:t>9/20/2017</a:t>
+              <a:t>9/21/2017</a:t>
             </a:fld>
             <a:endParaRPr lang="en-US"/>
           </a:p>
@@ -2261,7 +2261,7 @@
           <a:p>
             <a:fld id="{F8F920B2-3E99-4C9D-9450-62A3DEC5476B}" type="datetimeFigureOut">
               <a:rPr lang="en-US" smtClean="0"/>
-              <a:t>9/20/2017</a:t>
+              <a:t>9/21/2017</a:t>
             </a:fld>
             <a:endParaRPr lang="en-US"/>
           </a:p>
@@ -2538,7 +2538,7 @@
           <a:p>
             <a:fld id="{F8F920B2-3E99-4C9D-9450-62A3DEC5476B}" type="datetimeFigureOut">
               <a:rPr lang="en-US" smtClean="0"/>
-              <a:t>9/20/2017</a:t>
+              <a:t>9/21/2017</a:t>
             </a:fld>
             <a:endParaRPr lang="en-US"/>
           </a:p>
@@ -2795,7 +2795,7 @@
           <a:p>
             <a:fld id="{F8F920B2-3E99-4C9D-9450-62A3DEC5476B}" type="datetimeFigureOut">
               <a:rPr lang="en-US" smtClean="0"/>
-              <a:t>9/20/2017</a:t>
+              <a:t>9/21/2017</a:t>
             </a:fld>
             <a:endParaRPr lang="en-US"/>
           </a:p>
@@ -3008,7 +3008,7 @@
           <a:p>
             <a:fld id="{F8F920B2-3E99-4C9D-9450-62A3DEC5476B}" type="datetimeFigureOut">
               <a:rPr lang="en-US" smtClean="0"/>
-              <a:t>9/20/2017</a:t>
+              <a:t>9/21/2017</a:t>
             </a:fld>
             <a:endParaRPr lang="en-US"/>
           </a:p>
@@ -3421,7 +3421,7 @@
         </p:nvSpPr>
         <p:spPr>
           <a:xfrm>
-            <a:off x="762000" y="457190"/>
+            <a:off x="762000" y="304800"/>
             <a:ext cx="1524000" cy="228600"/>
           </a:xfrm>
           <a:prstGeom prst="roundRect">
@@ -3486,7 +3486,7 @@
         </p:nvCxnSpPr>
         <p:spPr>
           <a:xfrm>
-            <a:off x="10210800" y="1676390"/>
+            <a:off x="10210800" y="1524000"/>
             <a:ext cx="304800" cy="0"/>
           </a:xfrm>
           <a:prstGeom prst="line">
@@ -3523,7 +3523,7 @@
         </p:nvSpPr>
         <p:spPr>
           <a:xfrm>
-            <a:off x="9753600" y="1523990"/>
+            <a:off x="9753600" y="1371600"/>
             <a:ext cx="457200" cy="76200"/>
           </a:xfrm>
           <a:prstGeom prst="rect">
@@ -3576,7 +3576,7 @@
         </p:nvCxnSpPr>
         <p:spPr>
           <a:xfrm flipV="1">
-            <a:off x="10515600" y="1447790"/>
+            <a:off x="10515600" y="1295400"/>
             <a:ext cx="0" cy="228600"/>
           </a:xfrm>
           <a:prstGeom prst="line">
@@ -3613,7 +3613,7 @@
         </p:nvCxnSpPr>
         <p:spPr>
           <a:xfrm>
-            <a:off x="10515600" y="1447790"/>
+            <a:off x="10515600" y="1295400"/>
             <a:ext cx="304800" cy="0"/>
           </a:xfrm>
           <a:prstGeom prst="line">
@@ -3650,7 +3650,7 @@
         </p:nvCxnSpPr>
         <p:spPr>
           <a:xfrm>
-            <a:off x="10820400" y="1676390"/>
+            <a:off x="10820400" y="1524000"/>
             <a:ext cx="609600" cy="0"/>
           </a:xfrm>
           <a:prstGeom prst="line">
@@ -3687,7 +3687,7 @@
         </p:nvCxnSpPr>
         <p:spPr>
           <a:xfrm flipV="1">
-            <a:off x="10820400" y="1447790"/>
+            <a:off x="10820400" y="1295400"/>
             <a:ext cx="0" cy="228600"/>
           </a:xfrm>
           <a:prstGeom prst="line">
@@ -3724,7 +3724,7 @@
         </p:nvCxnSpPr>
         <p:spPr>
           <a:xfrm flipV="1">
-            <a:off x="11430000" y="1447790"/>
+            <a:off x="11430000" y="1295400"/>
             <a:ext cx="0" cy="228600"/>
           </a:xfrm>
           <a:prstGeom prst="line">
@@ -3761,7 +3761,7 @@
         </p:nvCxnSpPr>
         <p:spPr>
           <a:xfrm>
-            <a:off x="11430000" y="1447790"/>
+            <a:off x="11430000" y="1295400"/>
             <a:ext cx="304800" cy="0"/>
           </a:xfrm>
           <a:prstGeom prst="line">
@@ -3798,7 +3798,7 @@
         </p:nvCxnSpPr>
         <p:spPr>
           <a:xfrm>
-            <a:off x="11734800" y="1676390"/>
+            <a:off x="11734800" y="1524000"/>
             <a:ext cx="609600" cy="0"/>
           </a:xfrm>
           <a:prstGeom prst="line">
@@ -3835,7 +3835,7 @@
         </p:nvCxnSpPr>
         <p:spPr>
           <a:xfrm flipV="1">
-            <a:off x="11734800" y="1447790"/>
+            <a:off x="11734800" y="1295400"/>
             <a:ext cx="0" cy="228600"/>
           </a:xfrm>
           <a:prstGeom prst="line">
@@ -3872,7 +3872,7 @@
         </p:nvCxnSpPr>
         <p:spPr>
           <a:xfrm flipV="1">
-            <a:off x="12344400" y="1447790"/>
+            <a:off x="12344400" y="1295400"/>
             <a:ext cx="0" cy="228600"/>
           </a:xfrm>
           <a:prstGeom prst="line">
@@ -3909,7 +3909,7 @@
         </p:nvCxnSpPr>
         <p:spPr>
           <a:xfrm>
-            <a:off x="12344400" y="1447790"/>
+            <a:off x="12344400" y="1295400"/>
             <a:ext cx="304800" cy="0"/>
           </a:xfrm>
           <a:prstGeom prst="line">
@@ -3946,7 +3946,7 @@
         </p:nvCxnSpPr>
         <p:spPr>
           <a:xfrm>
-            <a:off x="12649200" y="1676390"/>
+            <a:off x="12649200" y="1524000"/>
             <a:ext cx="609600" cy="0"/>
           </a:xfrm>
           <a:prstGeom prst="line">
@@ -3983,7 +3983,7 @@
         </p:nvCxnSpPr>
         <p:spPr>
           <a:xfrm flipV="1">
-            <a:off x="12649200" y="1447790"/>
+            <a:off x="12649200" y="1295400"/>
             <a:ext cx="0" cy="228600"/>
           </a:xfrm>
           <a:prstGeom prst="line">
@@ -4020,7 +4020,7 @@
         </p:nvSpPr>
         <p:spPr>
           <a:xfrm>
-            <a:off x="9753600" y="1828790"/>
+            <a:off x="9753600" y="1676400"/>
             <a:ext cx="457200" cy="76200"/>
           </a:xfrm>
           <a:prstGeom prst="rect">
@@ -4073,7 +4073,7 @@
         </p:nvCxnSpPr>
         <p:spPr>
           <a:xfrm>
-            <a:off x="10210800" y="1752590"/>
+            <a:off x="10210800" y="1600200"/>
             <a:ext cx="3048000" cy="0"/>
           </a:xfrm>
           <a:prstGeom prst="line">
@@ -4110,7 +4110,7 @@
         </p:nvCxnSpPr>
         <p:spPr>
           <a:xfrm>
-            <a:off x="10210800" y="1981190"/>
+            <a:off x="10210800" y="1828800"/>
             <a:ext cx="3048000" cy="0"/>
           </a:xfrm>
           <a:prstGeom prst="line">
@@ -4147,7 +4147,7 @@
         </p:nvCxnSpPr>
         <p:spPr>
           <a:xfrm flipV="1">
-            <a:off x="10515600" y="1752590"/>
+            <a:off x="10515600" y="1600200"/>
             <a:ext cx="76200" cy="228600"/>
           </a:xfrm>
           <a:prstGeom prst="line">
@@ -4184,7 +4184,7 @@
         </p:nvCxnSpPr>
         <p:spPr>
           <a:xfrm flipH="1" flipV="1">
-            <a:off x="10515600" y="1752590"/>
+            <a:off x="10515600" y="1600200"/>
             <a:ext cx="76200" cy="228600"/>
           </a:xfrm>
           <a:prstGeom prst="line">
@@ -4221,7 +4221,7 @@
         </p:nvCxnSpPr>
         <p:spPr>
           <a:xfrm flipV="1">
-            <a:off x="11430000" y="1752590"/>
+            <a:off x="11430000" y="1600200"/>
             <a:ext cx="76200" cy="228600"/>
           </a:xfrm>
           <a:prstGeom prst="line">
@@ -4258,7 +4258,7 @@
         </p:nvCxnSpPr>
         <p:spPr>
           <a:xfrm flipH="1" flipV="1">
-            <a:off x="11430000" y="1752590"/>
+            <a:off x="11430000" y="1600200"/>
             <a:ext cx="76200" cy="228600"/>
           </a:xfrm>
           <a:prstGeom prst="line">
@@ -4295,7 +4295,7 @@
         </p:nvCxnSpPr>
         <p:spPr>
           <a:xfrm flipV="1">
-            <a:off x="12344400" y="1752590"/>
+            <a:off x="12344400" y="1600200"/>
             <a:ext cx="76200" cy="228600"/>
           </a:xfrm>
           <a:prstGeom prst="line">
@@ -4332,7 +4332,7 @@
         </p:nvCxnSpPr>
         <p:spPr>
           <a:xfrm flipH="1" flipV="1">
-            <a:off x="12344400" y="1752590"/>
+            <a:off x="12344400" y="1600200"/>
             <a:ext cx="76200" cy="228600"/>
           </a:xfrm>
           <a:prstGeom prst="line">
@@ -4369,7 +4369,7 @@
         </p:nvSpPr>
         <p:spPr>
           <a:xfrm>
-            <a:off x="9753600" y="1219190"/>
+            <a:off x="9753600" y="1066800"/>
             <a:ext cx="457200" cy="76200"/>
           </a:xfrm>
           <a:prstGeom prst="rect">
@@ -4422,7 +4422,7 @@
         </p:nvCxnSpPr>
         <p:spPr>
           <a:xfrm>
-            <a:off x="10210800" y="1371590"/>
+            <a:off x="10210800" y="1219200"/>
             <a:ext cx="1219200" cy="0"/>
           </a:xfrm>
           <a:prstGeom prst="line">
@@ -4459,7 +4459,7 @@
         </p:nvCxnSpPr>
         <p:spPr>
           <a:xfrm flipV="1">
-            <a:off x="11430000" y="1142990"/>
+            <a:off x="11430000" y="990600"/>
             <a:ext cx="0" cy="228600"/>
           </a:xfrm>
           <a:prstGeom prst="line">
@@ -4496,7 +4496,7 @@
         </p:nvCxnSpPr>
         <p:spPr>
           <a:xfrm>
-            <a:off x="11430000" y="1142990"/>
+            <a:off x="11430000" y="990600"/>
             <a:ext cx="1828800" cy="0"/>
           </a:xfrm>
           <a:prstGeom prst="line">
@@ -4533,7 +4533,7 @@
         </p:nvSpPr>
         <p:spPr>
           <a:xfrm>
-            <a:off x="9753600" y="2133590"/>
+            <a:off x="9753600" y="1981200"/>
             <a:ext cx="457200" cy="76200"/>
           </a:xfrm>
           <a:prstGeom prst="rect">
@@ -4593,7 +4593,7 @@
         </p:nvCxnSpPr>
         <p:spPr>
           <a:xfrm>
-            <a:off x="10210800" y="2057390"/>
+            <a:off x="10210800" y="1905000"/>
             <a:ext cx="3048000" cy="0"/>
           </a:xfrm>
           <a:prstGeom prst="line">
@@ -4630,7 +4630,7 @@
         </p:nvCxnSpPr>
         <p:spPr>
           <a:xfrm>
-            <a:off x="10210800" y="2285990"/>
+            <a:off x="10210800" y="2133600"/>
             <a:ext cx="3048000" cy="0"/>
           </a:xfrm>
           <a:prstGeom prst="line">
@@ -4667,7 +4667,7 @@
         </p:nvCxnSpPr>
         <p:spPr>
           <a:xfrm flipV="1">
-            <a:off x="11734800" y="2057390"/>
+            <a:off x="11734800" y="1905000"/>
             <a:ext cx="76200" cy="228600"/>
           </a:xfrm>
           <a:prstGeom prst="line">
@@ -4704,7 +4704,7 @@
         </p:nvCxnSpPr>
         <p:spPr>
           <a:xfrm flipH="1" flipV="1">
-            <a:off x="11734800" y="2057390"/>
+            <a:off x="11734800" y="1905000"/>
             <a:ext cx="76200" cy="228600"/>
           </a:xfrm>
           <a:prstGeom prst="line">
@@ -4741,7 +4741,7 @@
         </p:nvCxnSpPr>
         <p:spPr>
           <a:xfrm flipV="1">
-            <a:off x="12649200" y="2057390"/>
+            <a:off x="12649200" y="1905000"/>
             <a:ext cx="76200" cy="228600"/>
           </a:xfrm>
           <a:prstGeom prst="line">
@@ -4778,7 +4778,7 @@
         </p:nvCxnSpPr>
         <p:spPr>
           <a:xfrm flipH="1" flipV="1">
-            <a:off x="12649200" y="2057390"/>
+            <a:off x="12649200" y="1905000"/>
             <a:ext cx="76200" cy="228600"/>
           </a:xfrm>
           <a:prstGeom prst="line">
@@ -4815,7 +4815,7 @@
         </p:nvSpPr>
         <p:spPr>
           <a:xfrm>
-            <a:off x="10820400" y="2133590"/>
+            <a:off x="10820400" y="1981200"/>
             <a:ext cx="457200" cy="76200"/>
           </a:xfrm>
           <a:prstGeom prst="rect">
@@ -4868,7 +4868,7 @@
         </p:nvSpPr>
         <p:spPr>
           <a:xfrm>
-            <a:off x="12039600" y="2133590"/>
+            <a:off x="12039600" y="1981200"/>
             <a:ext cx="457200" cy="76200"/>
           </a:xfrm>
           <a:prstGeom prst="rect">
@@ -4921,7 +4921,7 @@
         </p:nvSpPr>
         <p:spPr>
           <a:xfrm>
-            <a:off x="12725400" y="2133590"/>
+            <a:off x="12725400" y="1981200"/>
             <a:ext cx="457200" cy="76200"/>
           </a:xfrm>
           <a:prstGeom prst="rect">
@@ -4976,7 +4976,7 @@
         </p:nvCxnSpPr>
         <p:spPr>
           <a:xfrm>
-            <a:off x="9220200" y="6705590"/>
+            <a:off x="9220200" y="6857990"/>
             <a:ext cx="609600" cy="0"/>
           </a:xfrm>
           <a:prstGeom prst="line">
@@ -5013,7 +5013,7 @@
         </p:nvSpPr>
         <p:spPr>
           <a:xfrm>
-            <a:off x="10439400" y="6477027"/>
+            <a:off x="10439400" y="6629427"/>
             <a:ext cx="304800" cy="304793"/>
           </a:xfrm>
           <a:prstGeom prst="rect">
@@ -5059,7 +5059,7 @@
         </p:nvCxnSpPr>
         <p:spPr>
           <a:xfrm flipV="1">
-            <a:off x="10515601" y="6705581"/>
+            <a:off x="10515601" y="6857981"/>
             <a:ext cx="76200" cy="76200"/>
           </a:xfrm>
           <a:prstGeom prst="line">
@@ -5094,7 +5094,7 @@
         </p:nvCxnSpPr>
         <p:spPr>
           <a:xfrm flipH="1" flipV="1">
-            <a:off x="10591801" y="6705581"/>
+            <a:off x="10591801" y="6857981"/>
             <a:ext cx="76200" cy="76200"/>
           </a:xfrm>
           <a:prstGeom prst="line">
@@ -5129,7 +5129,7 @@
         </p:nvSpPr>
         <p:spPr>
           <a:xfrm>
-            <a:off x="10515600" y="6476990"/>
+            <a:off x="10515600" y="6629390"/>
             <a:ext cx="152400" cy="152400"/>
           </a:xfrm>
           <a:prstGeom prst="rect">
@@ -5182,7 +5182,7 @@
         </p:nvSpPr>
         <p:spPr>
           <a:xfrm>
-            <a:off x="7848600" y="6934190"/>
+            <a:off x="7848600" y="7086590"/>
             <a:ext cx="152400" cy="152400"/>
           </a:xfrm>
           <a:prstGeom prst="rect">
@@ -5239,7 +5239,7 @@
         </p:nvCxnSpPr>
         <p:spPr>
           <a:xfrm flipV="1">
-            <a:off x="7924800" y="7086590"/>
+            <a:off x="7924800" y="7238990"/>
             <a:ext cx="0" cy="152400"/>
           </a:xfrm>
           <a:prstGeom prst="line">
@@ -5276,7 +5276,7 @@
         </p:nvSpPr>
         <p:spPr>
           <a:xfrm>
-            <a:off x="7620000" y="7238990"/>
+            <a:off x="7620000" y="7391390"/>
             <a:ext cx="457200" cy="152400"/>
           </a:xfrm>
           <a:prstGeom prst="rect">
@@ -5329,7 +5329,7 @@
         </p:nvSpPr>
         <p:spPr>
           <a:xfrm rot="5400000">
-            <a:off x="8153400" y="6781790"/>
+            <a:off x="8153400" y="6934190"/>
             <a:ext cx="457200" cy="152400"/>
           </a:xfrm>
           <a:prstGeom prst="trapezoid">
@@ -5377,7 +5377,7 @@
         </p:nvSpPr>
         <p:spPr>
           <a:xfrm>
-            <a:off x="8305800" y="6857990"/>
+            <a:off x="8305800" y="7010390"/>
             <a:ext cx="152400" cy="152400"/>
           </a:xfrm>
           <a:prstGeom prst="rect">
@@ -5429,7 +5429,7 @@
         </p:nvSpPr>
         <p:spPr>
           <a:xfrm>
-            <a:off x="8305800" y="6705590"/>
+            <a:off x="8305800" y="6857990"/>
             <a:ext cx="152400" cy="152400"/>
           </a:xfrm>
           <a:prstGeom prst="rect">
@@ -5481,7 +5481,7 @@
         </p:nvCxnSpPr>
         <p:spPr>
           <a:xfrm>
-            <a:off x="8001011" y="7010390"/>
+            <a:off x="8001011" y="7162790"/>
             <a:ext cx="304799" cy="0"/>
           </a:xfrm>
           <a:prstGeom prst="line">
@@ -5518,7 +5518,7 @@
         </p:nvCxnSpPr>
         <p:spPr>
           <a:xfrm>
-            <a:off x="7543800" y="5791190"/>
+            <a:off x="7543800" y="5943590"/>
             <a:ext cx="0" cy="1219200"/>
           </a:xfrm>
           <a:prstGeom prst="line">
@@ -5557,7 +5557,7 @@
         </p:nvCxnSpPr>
         <p:spPr>
           <a:xfrm>
-            <a:off x="7543800" y="7010390"/>
+            <a:off x="7543800" y="7162790"/>
             <a:ext cx="304800" cy="0"/>
           </a:xfrm>
           <a:prstGeom prst="line">
@@ -5594,7 +5594,7 @@
         </p:nvSpPr>
         <p:spPr>
           <a:xfrm>
-            <a:off x="7848600" y="6324590"/>
+            <a:off x="7848600" y="6476990"/>
             <a:ext cx="152400" cy="152400"/>
           </a:xfrm>
           <a:prstGeom prst="rect">
@@ -5651,7 +5651,7 @@
         </p:nvCxnSpPr>
         <p:spPr>
           <a:xfrm>
-            <a:off x="7924800" y="6172190"/>
+            <a:off x="7924800" y="6324590"/>
             <a:ext cx="0" cy="152400"/>
           </a:xfrm>
           <a:prstGeom prst="line">
@@ -5688,7 +5688,7 @@
         </p:nvSpPr>
         <p:spPr>
           <a:xfrm>
-            <a:off x="7620000" y="6019790"/>
+            <a:off x="7620000" y="6172190"/>
             <a:ext cx="457200" cy="152400"/>
           </a:xfrm>
           <a:prstGeom prst="rect">
@@ -5741,7 +5741,7 @@
         </p:nvSpPr>
         <p:spPr>
           <a:xfrm rot="5400000">
-            <a:off x="8915400" y="6629390"/>
+            <a:off x="8915400" y="6781790"/>
             <a:ext cx="457200" cy="152400"/>
           </a:xfrm>
           <a:prstGeom prst="trapezoid">
@@ -5789,7 +5789,7 @@
         </p:nvSpPr>
         <p:spPr>
           <a:xfrm>
-            <a:off x="9067800" y="6553190"/>
+            <a:off x="9067800" y="6705590"/>
             <a:ext cx="152400" cy="152400"/>
           </a:xfrm>
           <a:prstGeom prst="rect">
@@ -5841,7 +5841,7 @@
         </p:nvSpPr>
         <p:spPr>
           <a:xfrm>
-            <a:off x="9067800" y="6705590"/>
+            <a:off x="9067800" y="6857990"/>
             <a:ext cx="152400" cy="152400"/>
           </a:xfrm>
           <a:prstGeom prst="rect">
@@ -5895,7 +5895,7 @@
         </p:nvCxnSpPr>
         <p:spPr>
           <a:xfrm>
-            <a:off x="8458209" y="6857990"/>
+            <a:off x="8458209" y="7010390"/>
             <a:ext cx="609599" cy="0"/>
           </a:xfrm>
           <a:prstGeom prst="line">
@@ -5932,7 +5932,7 @@
         </p:nvCxnSpPr>
         <p:spPr>
           <a:xfrm>
-            <a:off x="8382008" y="6400790"/>
+            <a:off x="8382008" y="6553190"/>
             <a:ext cx="1" cy="304800"/>
           </a:xfrm>
           <a:prstGeom prst="line">
@@ -5971,7 +5971,7 @@
         </p:nvCxnSpPr>
         <p:spPr>
           <a:xfrm>
-            <a:off x="8001009" y="6400790"/>
+            <a:off x="8001009" y="6553190"/>
             <a:ext cx="380999" cy="0"/>
           </a:xfrm>
           <a:prstGeom prst="line">
@@ -6010,7 +6010,7 @@
         </p:nvCxnSpPr>
         <p:spPr>
           <a:xfrm>
-            <a:off x="7543800" y="6400790"/>
+            <a:off x="7543800" y="6553190"/>
             <a:ext cx="304800" cy="0"/>
           </a:xfrm>
           <a:prstGeom prst="line">
@@ -6049,7 +6049,7 @@
         </p:nvCxnSpPr>
         <p:spPr>
           <a:xfrm>
-            <a:off x="10744200" y="6553190"/>
+            <a:off x="10744200" y="6705590"/>
             <a:ext cx="2209800" cy="0"/>
           </a:xfrm>
           <a:prstGeom prst="line">
@@ -6086,7 +6086,7 @@
         </p:nvCxnSpPr>
         <p:spPr>
           <a:xfrm flipH="1">
-            <a:off x="7543800" y="5791190"/>
+            <a:off x="7543800" y="5943590"/>
             <a:ext cx="3810000" cy="0"/>
           </a:xfrm>
           <a:prstGeom prst="line">
@@ -6123,7 +6123,7 @@
         </p:nvCxnSpPr>
         <p:spPr>
           <a:xfrm>
-            <a:off x="8763000" y="5791190"/>
+            <a:off x="8763000" y="5943590"/>
             <a:ext cx="0" cy="762000"/>
           </a:xfrm>
           <a:prstGeom prst="line">
@@ -6160,7 +6160,7 @@
         </p:nvCxnSpPr>
         <p:spPr>
           <a:xfrm>
-            <a:off x="8763009" y="6553190"/>
+            <a:off x="8763009" y="6705590"/>
             <a:ext cx="304799" cy="0"/>
           </a:xfrm>
           <a:prstGeom prst="line">
@@ -6197,7 +6197,7 @@
         </p:nvSpPr>
         <p:spPr>
           <a:xfrm>
-            <a:off x="762000" y="1904990"/>
+            <a:off x="762000" y="1752600"/>
             <a:ext cx="228600" cy="152400"/>
           </a:xfrm>
           <a:prstGeom prst="homePlate">
@@ -6250,7 +6250,7 @@
         </p:nvCxnSpPr>
         <p:spPr>
           <a:xfrm>
-            <a:off x="990600" y="1371590"/>
+            <a:off x="990600" y="1219200"/>
             <a:ext cx="1676400" cy="0"/>
           </a:xfrm>
           <a:prstGeom prst="line">
@@ -6289,7 +6289,7 @@
         </p:nvCxnSpPr>
         <p:spPr>
           <a:xfrm>
-            <a:off x="3505200" y="6324590"/>
+            <a:off x="3505200" y="6476990"/>
             <a:ext cx="1371600" cy="0"/>
           </a:xfrm>
           <a:prstGeom prst="line">
@@ -6326,7 +6326,7 @@
         </p:nvSpPr>
         <p:spPr>
           <a:xfrm>
-            <a:off x="5334000" y="6096027"/>
+            <a:off x="5334000" y="6248427"/>
             <a:ext cx="304800" cy="304793"/>
           </a:xfrm>
           <a:prstGeom prst="rect">
@@ -6372,7 +6372,7 @@
         </p:nvCxnSpPr>
         <p:spPr>
           <a:xfrm flipV="1">
-            <a:off x="5410201" y="6324581"/>
+            <a:off x="5410201" y="6476981"/>
             <a:ext cx="76200" cy="76200"/>
           </a:xfrm>
           <a:prstGeom prst="line">
@@ -6407,7 +6407,7 @@
         </p:nvCxnSpPr>
         <p:spPr>
           <a:xfrm flipH="1" flipV="1">
-            <a:off x="5486401" y="6324581"/>
+            <a:off x="5486401" y="6476981"/>
             <a:ext cx="76200" cy="76200"/>
           </a:xfrm>
           <a:prstGeom prst="line">
@@ -6442,7 +6442,7 @@
         </p:nvSpPr>
         <p:spPr>
           <a:xfrm>
-            <a:off x="5410200" y="6095990"/>
+            <a:off x="5410200" y="6248390"/>
             <a:ext cx="152400" cy="152400"/>
           </a:xfrm>
           <a:prstGeom prst="rect">
@@ -6495,7 +6495,7 @@
         </p:nvSpPr>
         <p:spPr>
           <a:xfrm>
-            <a:off x="2514600" y="6095990"/>
+            <a:off x="2514600" y="6248390"/>
             <a:ext cx="152400" cy="152400"/>
           </a:xfrm>
           <a:prstGeom prst="rect">
@@ -6552,7 +6552,7 @@
         </p:nvCxnSpPr>
         <p:spPr>
           <a:xfrm>
-            <a:off x="2590800" y="5943590"/>
+            <a:off x="2590800" y="6095990"/>
             <a:ext cx="0" cy="152400"/>
           </a:xfrm>
           <a:prstGeom prst="line">
@@ -6589,7 +6589,7 @@
         </p:nvSpPr>
         <p:spPr>
           <a:xfrm>
-            <a:off x="2286000" y="5791190"/>
+            <a:off x="2286000" y="5943590"/>
             <a:ext cx="457200" cy="152400"/>
           </a:xfrm>
           <a:prstGeom prst="rect">
@@ -6642,7 +6642,7 @@
         </p:nvCxnSpPr>
         <p:spPr>
           <a:xfrm>
-            <a:off x="2209800" y="5562590"/>
+            <a:off x="2209800" y="5714990"/>
             <a:ext cx="0" cy="914400"/>
           </a:xfrm>
           <a:prstGeom prst="line">
@@ -6681,7 +6681,7 @@
         </p:nvCxnSpPr>
         <p:spPr>
           <a:xfrm>
-            <a:off x="2209800" y="6172190"/>
+            <a:off x="2209800" y="6324590"/>
             <a:ext cx="304800" cy="0"/>
           </a:xfrm>
           <a:prstGeom prst="line">
@@ -6718,7 +6718,7 @@
         </p:nvCxnSpPr>
         <p:spPr>
           <a:xfrm>
-            <a:off x="5638800" y="6172190"/>
+            <a:off x="5638800" y="6324590"/>
             <a:ext cx="1524000" cy="0"/>
           </a:xfrm>
           <a:prstGeom prst="line">
@@ -6755,7 +6755,7 @@
         </p:nvSpPr>
         <p:spPr>
           <a:xfrm rot="5400000">
-            <a:off x="3200400" y="6248390"/>
+            <a:off x="3200400" y="6400790"/>
             <a:ext cx="457200" cy="152400"/>
           </a:xfrm>
           <a:prstGeom prst="trapezoid">
@@ -6803,7 +6803,7 @@
         </p:nvSpPr>
         <p:spPr>
           <a:xfrm>
-            <a:off x="3352800" y="6324590"/>
+            <a:off x="3352800" y="6476990"/>
             <a:ext cx="152400" cy="152400"/>
           </a:xfrm>
           <a:prstGeom prst="rect">
@@ -6855,7 +6855,7 @@
         </p:nvSpPr>
         <p:spPr>
           <a:xfrm>
-            <a:off x="3352800" y="6172190"/>
+            <a:off x="3352800" y="6324590"/>
             <a:ext cx="152400" cy="152400"/>
           </a:xfrm>
           <a:prstGeom prst="rect">
@@ -6909,7 +6909,7 @@
         </p:nvCxnSpPr>
         <p:spPr>
           <a:xfrm>
-            <a:off x="2667000" y="6172190"/>
+            <a:off x="2667000" y="6324590"/>
             <a:ext cx="685800" cy="0"/>
           </a:xfrm>
           <a:prstGeom prst="line">
@@ -6946,7 +6946,7 @@
         </p:nvCxnSpPr>
         <p:spPr>
           <a:xfrm flipH="1">
-            <a:off x="2209800" y="6476990"/>
+            <a:off x="2209800" y="6629390"/>
             <a:ext cx="1143000" cy="0"/>
           </a:xfrm>
           <a:prstGeom prst="line">
@@ -6983,7 +6983,7 @@
         </p:nvSpPr>
         <p:spPr>
           <a:xfrm>
-            <a:off x="5334000" y="1905027"/>
+            <a:off x="5334000" y="1752637"/>
             <a:ext cx="304800" cy="304793"/>
           </a:xfrm>
           <a:prstGeom prst="rect">
@@ -7029,7 +7029,7 @@
         </p:nvCxnSpPr>
         <p:spPr>
           <a:xfrm flipV="1">
-            <a:off x="5410201" y="2133581"/>
+            <a:off x="5410201" y="1981191"/>
             <a:ext cx="76200" cy="76200"/>
           </a:xfrm>
           <a:prstGeom prst="line">
@@ -7064,7 +7064,7 @@
         </p:nvCxnSpPr>
         <p:spPr>
           <a:xfrm flipH="1" flipV="1">
-            <a:off x="5486401" y="2133581"/>
+            <a:off x="5486401" y="1981191"/>
             <a:ext cx="76200" cy="76200"/>
           </a:xfrm>
           <a:prstGeom prst="line">
@@ -7099,7 +7099,7 @@
         </p:nvSpPr>
         <p:spPr>
           <a:xfrm>
-            <a:off x="5410200" y="1904990"/>
+            <a:off x="5410200" y="1752600"/>
             <a:ext cx="152400" cy="152400"/>
           </a:xfrm>
           <a:prstGeom prst="rect">
@@ -7154,7 +7154,7 @@
         </p:nvCxnSpPr>
         <p:spPr>
           <a:xfrm>
-            <a:off x="2438400" y="2133590"/>
+            <a:off x="2438400" y="1981200"/>
             <a:ext cx="2438400" cy="0"/>
           </a:xfrm>
           <a:prstGeom prst="line">
@@ -7193,7 +7193,7 @@
         </p:nvCxnSpPr>
         <p:spPr>
           <a:xfrm>
-            <a:off x="5638800" y="1981218"/>
+            <a:off x="5638800" y="1828828"/>
             <a:ext cx="1447800" cy="0"/>
           </a:xfrm>
           <a:prstGeom prst="line">
@@ -7230,7 +7230,7 @@
         </p:nvSpPr>
         <p:spPr>
           <a:xfrm>
-            <a:off x="7086600" y="1905018"/>
+            <a:off x="7086600" y="1752628"/>
             <a:ext cx="152400" cy="152400"/>
           </a:xfrm>
           <a:prstGeom prst="rect">
@@ -7287,8 +7287,8 @@
         </p:nvCxnSpPr>
         <p:spPr>
           <a:xfrm flipV="1">
-            <a:off x="7162800" y="2057418"/>
-            <a:ext cx="0" cy="4114772"/>
+            <a:off x="7162800" y="1905028"/>
+            <a:ext cx="0" cy="4419572"/>
           </a:xfrm>
           <a:prstGeom prst="line">
             <a:avLst/>
@@ -7324,7 +7324,7 @@
         </p:nvCxnSpPr>
         <p:spPr>
           <a:xfrm flipH="1">
-            <a:off x="2209800" y="5562590"/>
+            <a:off x="2209800" y="5714990"/>
             <a:ext cx="4953000" cy="0"/>
           </a:xfrm>
           <a:prstGeom prst="line">
@@ -7363,7 +7363,7 @@
         </p:nvCxnSpPr>
         <p:spPr>
           <a:xfrm>
-            <a:off x="9144000" y="5333990"/>
+            <a:off x="9144000" y="5486390"/>
             <a:ext cx="0" cy="1219200"/>
           </a:xfrm>
           <a:prstGeom prst="line">
@@ -7400,7 +7400,7 @@
         </p:nvSpPr>
         <p:spPr>
           <a:xfrm rot="5400000">
-            <a:off x="8991600" y="4952990"/>
+            <a:off x="8991600" y="5105390"/>
             <a:ext cx="304800" cy="457200"/>
           </a:xfrm>
           <a:prstGeom prst="flowChartDelay">
@@ -7448,8 +7448,8 @@
         </p:nvCxnSpPr>
         <p:spPr>
           <a:xfrm>
-            <a:off x="9144000" y="1981190"/>
-            <a:ext cx="0" cy="3048000"/>
+            <a:off x="9144000" y="1828800"/>
+            <a:ext cx="0" cy="3352790"/>
           </a:xfrm>
           <a:prstGeom prst="line">
             <a:avLst/>
@@ -7487,7 +7487,7 @@
         </p:nvCxnSpPr>
         <p:spPr>
           <a:xfrm>
-            <a:off x="7239000" y="1981218"/>
+            <a:off x="7239000" y="1828828"/>
             <a:ext cx="1905000" cy="0"/>
           </a:xfrm>
           <a:prstGeom prst="line">
@@ -7524,7 +7524,7 @@
         </p:nvSpPr>
         <p:spPr>
           <a:xfrm>
-            <a:off x="762000" y="1295390"/>
+            <a:off x="762000" y="1143000"/>
             <a:ext cx="228600" cy="152400"/>
           </a:xfrm>
           <a:prstGeom prst="homePlate">
@@ -7575,7 +7575,7 @@
         </p:nvCxnSpPr>
         <p:spPr>
           <a:xfrm flipV="1">
-            <a:off x="1066800" y="1295390"/>
+            <a:off x="1066800" y="1143000"/>
             <a:ext cx="152400" cy="152404"/>
           </a:xfrm>
           <a:prstGeom prst="line">
@@ -7612,7 +7612,7 @@
         </p:nvSpPr>
         <p:spPr>
           <a:xfrm>
-            <a:off x="1066801" y="1219190"/>
+            <a:off x="1066801" y="1066800"/>
             <a:ext cx="152400" cy="76200"/>
           </a:xfrm>
           <a:prstGeom prst="rect">
@@ -7665,7 +7665,7 @@
         </p:nvSpPr>
         <p:spPr>
           <a:xfrm>
-            <a:off x="1295400" y="1219190"/>
+            <a:off x="1295400" y="1066800"/>
             <a:ext cx="457200" cy="152400"/>
           </a:xfrm>
           <a:prstGeom prst="rect">
@@ -7717,7 +7717,7 @@
         </p:nvCxnSpPr>
         <p:spPr>
           <a:xfrm flipV="1">
-            <a:off x="1066800" y="1904990"/>
+            <a:off x="1066800" y="1752600"/>
             <a:ext cx="152400" cy="152404"/>
           </a:xfrm>
           <a:prstGeom prst="line">
@@ -7754,7 +7754,7 @@
         </p:nvSpPr>
         <p:spPr>
           <a:xfrm>
-            <a:off x="1066801" y="1828790"/>
+            <a:off x="1066801" y="1676400"/>
             <a:ext cx="152400" cy="76200"/>
           </a:xfrm>
           <a:prstGeom prst="rect">
@@ -7807,7 +7807,7 @@
         </p:nvSpPr>
         <p:spPr>
           <a:xfrm>
-            <a:off x="1295400" y="1828790"/>
+            <a:off x="1295400" y="1676400"/>
             <a:ext cx="457200" cy="152400"/>
           </a:xfrm>
           <a:prstGeom prst="rect">
@@ -7859,7 +7859,7 @@
         </p:nvCxnSpPr>
         <p:spPr>
           <a:xfrm>
-            <a:off x="8001000" y="6705590"/>
+            <a:off x="8001000" y="6857990"/>
             <a:ext cx="304800" cy="0"/>
           </a:xfrm>
           <a:prstGeom prst="line">
@@ -7896,7 +7896,7 @@
         </p:nvSpPr>
         <p:spPr>
           <a:xfrm>
-            <a:off x="7696200" y="6553190"/>
+            <a:off x="7696200" y="6705590"/>
             <a:ext cx="457200" cy="152400"/>
           </a:xfrm>
           <a:prstGeom prst="rect">
@@ -7949,7 +7949,7 @@
         </p:nvCxnSpPr>
         <p:spPr>
           <a:xfrm flipV="1">
-            <a:off x="10820400" y="6476990"/>
+            <a:off x="10820400" y="6629390"/>
             <a:ext cx="152400" cy="152404"/>
           </a:xfrm>
           <a:prstGeom prst="line">
@@ -7986,7 +7986,7 @@
         </p:nvSpPr>
         <p:spPr>
           <a:xfrm>
-            <a:off x="10820401" y="6400790"/>
+            <a:off x="10820401" y="6553190"/>
             <a:ext cx="152400" cy="76200"/>
           </a:xfrm>
           <a:prstGeom prst="rect">
@@ -8039,7 +8039,7 @@
         </p:nvSpPr>
         <p:spPr>
           <a:xfrm>
-            <a:off x="11963400" y="6400790"/>
+            <a:off x="11963400" y="6553190"/>
             <a:ext cx="457200" cy="152400"/>
           </a:xfrm>
           <a:prstGeom prst="rect">
@@ -8098,7 +8098,7 @@
         </p:nvCxnSpPr>
         <p:spPr>
           <a:xfrm flipV="1">
-            <a:off x="11353800" y="5791190"/>
+            <a:off x="11353800" y="5943590"/>
             <a:ext cx="0" cy="762000"/>
           </a:xfrm>
           <a:prstGeom prst="line">
@@ -8135,7 +8135,7 @@
         </p:nvSpPr>
         <p:spPr>
           <a:xfrm>
-            <a:off x="12954000" y="6476990"/>
+            <a:off x="12954000" y="6629390"/>
             <a:ext cx="228600" cy="152400"/>
           </a:xfrm>
           <a:prstGeom prst="homePlate">
@@ -8186,7 +8186,7 @@
         </p:nvCxnSpPr>
         <p:spPr>
           <a:xfrm flipV="1">
-            <a:off x="12725400" y="6476990"/>
+            <a:off x="12725400" y="6629390"/>
             <a:ext cx="152400" cy="152404"/>
           </a:xfrm>
           <a:prstGeom prst="line">
@@ -8223,7 +8223,7 @@
         </p:nvSpPr>
         <p:spPr>
           <a:xfrm>
-            <a:off x="12725401" y="6400790"/>
+            <a:off x="12725401" y="6553190"/>
             <a:ext cx="152400" cy="76200"/>
           </a:xfrm>
           <a:prstGeom prst="rect">
@@ -8276,7 +8276,7 @@
         </p:nvSpPr>
         <p:spPr>
           <a:xfrm rot="5400000">
-            <a:off x="2133600" y="2057390"/>
+            <a:off x="2133600" y="1905000"/>
             <a:ext cx="457200" cy="152400"/>
           </a:xfrm>
           <a:prstGeom prst="trapezoid">
@@ -8324,7 +8324,7 @@
         </p:nvSpPr>
         <p:spPr>
           <a:xfrm>
-            <a:off x="2286000" y="2133590"/>
+            <a:off x="2286000" y="1981200"/>
             <a:ext cx="152400" cy="152400"/>
           </a:xfrm>
           <a:prstGeom prst="rect">
@@ -8376,7 +8376,7 @@
         </p:nvSpPr>
         <p:spPr>
           <a:xfrm>
-            <a:off x="2286000" y="1981190"/>
+            <a:off x="2286000" y="1828800"/>
             <a:ext cx="152400" cy="152400"/>
           </a:xfrm>
           <a:prstGeom prst="rect">
@@ -8430,7 +8430,7 @@
         </p:nvCxnSpPr>
         <p:spPr>
           <a:xfrm>
-            <a:off x="990600" y="1981190"/>
+            <a:off x="990600" y="1828800"/>
             <a:ext cx="1295400" cy="0"/>
           </a:xfrm>
           <a:prstGeom prst="line">
@@ -8467,7 +8467,7 @@
         </p:nvCxnSpPr>
         <p:spPr>
           <a:xfrm>
-            <a:off x="5943600" y="1981218"/>
+            <a:off x="5943600" y="1828828"/>
             <a:ext cx="0" cy="609572"/>
           </a:xfrm>
           <a:prstGeom prst="line">
@@ -8504,7 +8504,7 @@
         </p:nvCxnSpPr>
         <p:spPr>
           <a:xfrm flipH="1">
-            <a:off x="1981200" y="2590790"/>
+            <a:off x="1981200" y="2438400"/>
             <a:ext cx="3962400" cy="0"/>
           </a:xfrm>
           <a:prstGeom prst="line">
@@ -8541,7 +8541,7 @@
         </p:nvCxnSpPr>
         <p:spPr>
           <a:xfrm flipV="1">
-            <a:off x="1981200" y="2285990"/>
+            <a:off x="1981200" y="2133600"/>
             <a:ext cx="0" cy="304800"/>
           </a:xfrm>
           <a:prstGeom prst="line">
@@ -8578,7 +8578,7 @@
         </p:nvCxnSpPr>
         <p:spPr>
           <a:xfrm>
-            <a:off x="1981200" y="2285990"/>
+            <a:off x="1981200" y="2133600"/>
             <a:ext cx="304800" cy="0"/>
           </a:xfrm>
           <a:prstGeom prst="line">
@@ -8617,7 +8617,7 @@
         </p:nvCxnSpPr>
         <p:spPr>
           <a:xfrm>
-            <a:off x="990600" y="1066790"/>
+            <a:off x="990600" y="914400"/>
             <a:ext cx="1524000" cy="0"/>
           </a:xfrm>
           <a:prstGeom prst="line">
@@ -8654,7 +8654,7 @@
         </p:nvSpPr>
         <p:spPr>
           <a:xfrm>
-            <a:off x="762000" y="990590"/>
+            <a:off x="762000" y="838200"/>
             <a:ext cx="228600" cy="152400"/>
           </a:xfrm>
           <a:prstGeom prst="homePlate">
@@ -8705,7 +8705,7 @@
         </p:nvCxnSpPr>
         <p:spPr>
           <a:xfrm flipV="1">
-            <a:off x="1066800" y="990590"/>
+            <a:off x="1066800" y="838200"/>
             <a:ext cx="152400" cy="152404"/>
           </a:xfrm>
           <a:prstGeom prst="line">
@@ -8742,7 +8742,7 @@
         </p:nvSpPr>
         <p:spPr>
           <a:xfrm>
-            <a:off x="1066801" y="914390"/>
+            <a:off x="1066801" y="762000"/>
             <a:ext cx="152400" cy="76200"/>
           </a:xfrm>
           <a:prstGeom prst="rect">
@@ -8795,7 +8795,7 @@
         </p:nvSpPr>
         <p:spPr>
           <a:xfrm>
-            <a:off x="1295400" y="914390"/>
+            <a:off x="1295400" y="762000"/>
             <a:ext cx="457200" cy="152400"/>
           </a:xfrm>
           <a:prstGeom prst="rect">
@@ -8847,7 +8847,7 @@
         </p:nvCxnSpPr>
         <p:spPr>
           <a:xfrm>
-            <a:off x="2362200" y="1371590"/>
+            <a:off x="2362200" y="1219200"/>
             <a:ext cx="0" cy="609600"/>
           </a:xfrm>
           <a:prstGeom prst="line">
@@ -8884,7 +8884,7 @@
         </p:nvSpPr>
         <p:spPr>
           <a:xfrm>
-            <a:off x="2667000" y="1142990"/>
+            <a:off x="2667000" y="990600"/>
             <a:ext cx="304800" cy="304800"/>
           </a:xfrm>
           <a:prstGeom prst="flowChartDelay">
@@ -8930,7 +8930,7 @@
         </p:nvCxnSpPr>
         <p:spPr>
           <a:xfrm>
-            <a:off x="2514600" y="1219190"/>
+            <a:off x="2514600" y="1066800"/>
             <a:ext cx="152400" cy="0"/>
           </a:xfrm>
           <a:prstGeom prst="line">
@@ -8967,7 +8967,7 @@
         </p:nvCxnSpPr>
         <p:spPr>
           <a:xfrm>
-            <a:off x="2514600" y="1066790"/>
+            <a:off x="2514600" y="914400"/>
             <a:ext cx="0" cy="152400"/>
           </a:xfrm>
           <a:prstGeom prst="line">
@@ -9006,7 +9006,7 @@
         </p:nvCxnSpPr>
         <p:spPr>
           <a:xfrm>
-            <a:off x="5029200" y="3428990"/>
+            <a:off x="5029200" y="3581390"/>
             <a:ext cx="304800" cy="0"/>
           </a:xfrm>
           <a:prstGeom prst="line">
@@ -9043,7 +9043,7 @@
         </p:nvSpPr>
         <p:spPr>
           <a:xfrm>
-            <a:off x="5334000" y="3352799"/>
+            <a:off x="5334000" y="3505199"/>
             <a:ext cx="304800" cy="304793"/>
           </a:xfrm>
           <a:prstGeom prst="rect">
@@ -9089,7 +9089,7 @@
         </p:nvCxnSpPr>
         <p:spPr>
           <a:xfrm flipV="1">
-            <a:off x="5410201" y="3581353"/>
+            <a:off x="5410201" y="3733753"/>
             <a:ext cx="76200" cy="76200"/>
           </a:xfrm>
           <a:prstGeom prst="line">
@@ -9124,7 +9124,7 @@
         </p:nvCxnSpPr>
         <p:spPr>
           <a:xfrm flipH="1" flipV="1">
-            <a:off x="5486401" y="3581353"/>
+            <a:off x="5486401" y="3733753"/>
             <a:ext cx="76200" cy="76200"/>
           </a:xfrm>
           <a:prstGeom prst="line">
@@ -9159,7 +9159,7 @@
         </p:nvSpPr>
         <p:spPr>
           <a:xfrm>
-            <a:off x="5410200" y="3352762"/>
+            <a:off x="5410200" y="3505162"/>
             <a:ext cx="152400" cy="152400"/>
           </a:xfrm>
           <a:prstGeom prst="rect">
@@ -9212,7 +9212,7 @@
         </p:nvSpPr>
         <p:spPr>
           <a:xfrm>
-            <a:off x="1447800" y="3657590"/>
+            <a:off x="1447800" y="3809990"/>
             <a:ext cx="152400" cy="152400"/>
           </a:xfrm>
           <a:prstGeom prst="rect">
@@ -9269,7 +9269,7 @@
         </p:nvCxnSpPr>
         <p:spPr>
           <a:xfrm>
-            <a:off x="1143000" y="3733790"/>
+            <a:off x="1143000" y="3886190"/>
             <a:ext cx="304800" cy="0"/>
           </a:xfrm>
           <a:prstGeom prst="line">
@@ -9306,7 +9306,7 @@
         </p:nvSpPr>
         <p:spPr>
           <a:xfrm>
-            <a:off x="838200" y="3581390"/>
+            <a:off x="838200" y="3733790"/>
             <a:ext cx="457200" cy="152400"/>
           </a:xfrm>
           <a:prstGeom prst="rect">
@@ -9361,7 +9361,7 @@
         </p:nvCxnSpPr>
         <p:spPr>
           <a:xfrm flipV="1">
-            <a:off x="1524000" y="3809990"/>
+            <a:off x="1524000" y="3962390"/>
             <a:ext cx="0" cy="457200"/>
           </a:xfrm>
           <a:prstGeom prst="line">
@@ -9398,7 +9398,7 @@
         </p:nvSpPr>
         <p:spPr>
           <a:xfrm rot="5400000">
-            <a:off x="2133600" y="3505190"/>
+            <a:off x="2133600" y="3657590"/>
             <a:ext cx="457200" cy="152400"/>
           </a:xfrm>
           <a:prstGeom prst="trapezoid">
@@ -9446,7 +9446,7 @@
         </p:nvSpPr>
         <p:spPr>
           <a:xfrm>
-            <a:off x="2286000" y="3581390"/>
+            <a:off x="2286000" y="3733790"/>
             <a:ext cx="152400" cy="152400"/>
           </a:xfrm>
           <a:prstGeom prst="rect">
@@ -9498,7 +9498,7 @@
         </p:nvSpPr>
         <p:spPr>
           <a:xfrm>
-            <a:off x="2286000" y="3428990"/>
+            <a:off x="2286000" y="3581390"/>
             <a:ext cx="152400" cy="152400"/>
           </a:xfrm>
           <a:prstGeom prst="rect">
@@ -9552,7 +9552,7 @@
         </p:nvCxnSpPr>
         <p:spPr>
           <a:xfrm>
-            <a:off x="1600200" y="3733790"/>
+            <a:off x="1600200" y="3886190"/>
             <a:ext cx="685800" cy="0"/>
           </a:xfrm>
           <a:prstGeom prst="line">
@@ -9589,7 +9589,7 @@
         </p:nvCxnSpPr>
         <p:spPr>
           <a:xfrm>
-            <a:off x="2362200" y="3733790"/>
+            <a:off x="2362200" y="3886190"/>
             <a:ext cx="0" cy="990600"/>
           </a:xfrm>
           <a:prstGeom prst="line">
@@ -9626,7 +9626,7 @@
         </p:nvCxnSpPr>
         <p:spPr>
           <a:xfrm>
-            <a:off x="5638800" y="3428962"/>
+            <a:off x="5638800" y="3581362"/>
             <a:ext cx="1066800" cy="0"/>
           </a:xfrm>
           <a:prstGeom prst="line">
@@ -9663,7 +9663,7 @@
         </p:nvCxnSpPr>
         <p:spPr>
           <a:xfrm>
-            <a:off x="6705600" y="3428990"/>
+            <a:off x="6705600" y="3581390"/>
             <a:ext cx="0" cy="990600"/>
           </a:xfrm>
           <a:prstGeom prst="line">
@@ -9700,7 +9700,7 @@
         </p:nvCxnSpPr>
         <p:spPr>
           <a:xfrm>
-            <a:off x="1981200" y="3428990"/>
+            <a:off x="1981200" y="3581390"/>
             <a:ext cx="304800" cy="0"/>
           </a:xfrm>
           <a:prstGeom prst="line">
@@ -9737,7 +9737,7 @@
         </p:nvSpPr>
         <p:spPr>
           <a:xfrm>
-            <a:off x="1676400" y="3276590"/>
+            <a:off x="1676400" y="3428990"/>
             <a:ext cx="457200" cy="152400"/>
           </a:xfrm>
           <a:prstGeom prst="rect">
@@ -9790,7 +9790,7 @@
         </p:nvSpPr>
         <p:spPr>
           <a:xfrm rot="5400000">
-            <a:off x="3124200" y="3657590"/>
+            <a:off x="3124200" y="3809990"/>
             <a:ext cx="457200" cy="152400"/>
           </a:xfrm>
           <a:prstGeom prst="trapezoid">
@@ -9838,7 +9838,7 @@
         </p:nvSpPr>
         <p:spPr>
           <a:xfrm>
-            <a:off x="3276600" y="3733790"/>
+            <a:off x="3276600" y="3886190"/>
             <a:ext cx="152400" cy="152400"/>
           </a:xfrm>
           <a:prstGeom prst="rect">
@@ -9890,7 +9890,7 @@
         </p:nvSpPr>
         <p:spPr>
           <a:xfrm>
-            <a:off x="3276600" y="3581390"/>
+            <a:off x="3276600" y="3733790"/>
             <a:ext cx="152400" cy="152400"/>
           </a:xfrm>
           <a:prstGeom prst="rect">
@@ -9942,8 +9942,8 @@
         </p:nvCxnSpPr>
         <p:spPr>
           <a:xfrm>
-            <a:off x="3352800" y="1295390"/>
-            <a:ext cx="0" cy="2286000"/>
+            <a:off x="3352800" y="1143000"/>
+            <a:ext cx="0" cy="2590790"/>
           </a:xfrm>
           <a:prstGeom prst="line">
             <a:avLst/>
@@ -9981,7 +9981,7 @@
         </p:nvCxnSpPr>
         <p:spPr>
           <a:xfrm>
-            <a:off x="2971800" y="1295390"/>
+            <a:off x="2971800" y="1143000"/>
             <a:ext cx="1905000" cy="0"/>
           </a:xfrm>
           <a:prstGeom prst="line">
@@ -10018,7 +10018,7 @@
         </p:nvSpPr>
         <p:spPr>
           <a:xfrm>
-            <a:off x="5334000" y="1066827"/>
+            <a:off x="5334000" y="914437"/>
             <a:ext cx="304800" cy="304793"/>
           </a:xfrm>
           <a:prstGeom prst="rect">
@@ -10064,7 +10064,7 @@
         </p:nvCxnSpPr>
         <p:spPr>
           <a:xfrm flipV="1">
-            <a:off x="5410201" y="1295381"/>
+            <a:off x="5410201" y="1142991"/>
             <a:ext cx="76200" cy="76200"/>
           </a:xfrm>
           <a:prstGeom prst="line">
@@ -10099,7 +10099,7 @@
         </p:nvCxnSpPr>
         <p:spPr>
           <a:xfrm flipH="1" flipV="1">
-            <a:off x="5486401" y="1295381"/>
+            <a:off x="5486401" y="1142991"/>
             <a:ext cx="76200" cy="76200"/>
           </a:xfrm>
           <a:prstGeom prst="line">
@@ -10134,7 +10134,7 @@
         </p:nvSpPr>
         <p:spPr>
           <a:xfrm>
-            <a:off x="5410200" y="1066790"/>
+            <a:off x="5410200" y="914400"/>
             <a:ext cx="152400" cy="152400"/>
           </a:xfrm>
           <a:prstGeom prst="rect">
@@ -10187,7 +10187,7 @@
         </p:nvCxnSpPr>
         <p:spPr>
           <a:xfrm>
-            <a:off x="2438400" y="3581390"/>
+            <a:off x="2438400" y="3733790"/>
             <a:ext cx="838200" cy="0"/>
           </a:xfrm>
           <a:prstGeom prst="line">
@@ -10224,7 +10224,7 @@
         </p:nvSpPr>
         <p:spPr>
           <a:xfrm>
-            <a:off x="1295400" y="3581390"/>
+            <a:off x="1295400" y="3733790"/>
             <a:ext cx="152400" cy="152400"/>
           </a:xfrm>
           <a:prstGeom prst="rect">
@@ -10277,7 +10277,7 @@
         </p:nvCxnSpPr>
         <p:spPr>
           <a:xfrm flipV="1">
-            <a:off x="5715000" y="3352762"/>
+            <a:off x="5715000" y="3505162"/>
             <a:ext cx="152400" cy="152404"/>
           </a:xfrm>
           <a:prstGeom prst="line">
@@ -10314,7 +10314,7 @@
         </p:nvSpPr>
         <p:spPr>
           <a:xfrm>
-            <a:off x="5715001" y="3276562"/>
+            <a:off x="5715001" y="3428962"/>
             <a:ext cx="152400" cy="76200"/>
           </a:xfrm>
           <a:prstGeom prst="rect">
@@ -10367,7 +10367,7 @@
         </p:nvSpPr>
         <p:spPr>
           <a:xfrm>
-            <a:off x="5943600" y="3276562"/>
+            <a:off x="5943600" y="3428962"/>
             <a:ext cx="457200" cy="152400"/>
           </a:xfrm>
           <a:prstGeom prst="rect">
@@ -10426,7 +10426,7 @@
         </p:nvCxnSpPr>
         <p:spPr>
           <a:xfrm flipH="1">
-            <a:off x="1524000" y="4267190"/>
+            <a:off x="1524000" y="4419590"/>
             <a:ext cx="5181600" cy="0"/>
           </a:xfrm>
           <a:prstGeom prst="line">
@@ -10463,7 +10463,7 @@
         </p:nvSpPr>
         <p:spPr>
           <a:xfrm>
-            <a:off x="6629400" y="4419590"/>
+            <a:off x="6629400" y="4571990"/>
             <a:ext cx="152400" cy="152400"/>
           </a:xfrm>
           <a:prstGeom prst="rect">
@@ -10518,7 +10518,7 @@
         </p:nvCxnSpPr>
         <p:spPr>
           <a:xfrm>
-            <a:off x="6477000" y="4495790"/>
+            <a:off x="6477000" y="4648190"/>
             <a:ext cx="152400" cy="0"/>
           </a:xfrm>
           <a:prstGeom prst="line">
@@ -10555,7 +10555,7 @@
         </p:nvSpPr>
         <p:spPr>
           <a:xfrm>
-            <a:off x="6019800" y="4343390"/>
+            <a:off x="6019800" y="4495790"/>
             <a:ext cx="457200" cy="152400"/>
           </a:xfrm>
           <a:prstGeom prst="rect">
@@ -10608,7 +10608,7 @@
         </p:nvCxnSpPr>
         <p:spPr>
           <a:xfrm>
-            <a:off x="8991600" y="4724390"/>
+            <a:off x="8991600" y="4876790"/>
             <a:ext cx="0" cy="152400"/>
           </a:xfrm>
           <a:prstGeom prst="line">
@@ -10645,8 +10645,8 @@
         </p:nvCxnSpPr>
         <p:spPr>
           <a:xfrm>
-            <a:off x="9296400" y="1142990"/>
-            <a:ext cx="0" cy="3886200"/>
+            <a:off x="9296400" y="990600"/>
+            <a:ext cx="0" cy="4190990"/>
           </a:xfrm>
           <a:prstGeom prst="line">
             <a:avLst/>
@@ -10682,7 +10682,7 @@
         </p:nvCxnSpPr>
         <p:spPr>
           <a:xfrm>
-            <a:off x="5638800" y="1142990"/>
+            <a:off x="5638800" y="990600"/>
             <a:ext cx="3657600" cy="0"/>
           </a:xfrm>
           <a:prstGeom prst="line">
@@ -10719,7 +10719,7 @@
         </p:nvCxnSpPr>
         <p:spPr>
           <a:xfrm flipV="1">
-            <a:off x="5715000" y="6095990"/>
+            <a:off x="5715000" y="6248390"/>
             <a:ext cx="152400" cy="152404"/>
           </a:xfrm>
           <a:prstGeom prst="line">
@@ -10756,7 +10756,7 @@
         </p:nvSpPr>
         <p:spPr>
           <a:xfrm>
-            <a:off x="5715001" y="6019790"/>
+            <a:off x="5715001" y="6172190"/>
             <a:ext cx="152400" cy="76200"/>
           </a:xfrm>
           <a:prstGeom prst="rect">
@@ -10809,7 +10809,7 @@
         </p:nvSpPr>
         <p:spPr>
           <a:xfrm>
-            <a:off x="5943600" y="6019790"/>
+            <a:off x="5943600" y="6172190"/>
             <a:ext cx="457200" cy="152400"/>
           </a:xfrm>
           <a:prstGeom prst="rect">
@@ -10868,7 +10868,7 @@
         </p:nvCxnSpPr>
         <p:spPr>
           <a:xfrm flipV="1">
-            <a:off x="3352800" y="3886190"/>
+            <a:off x="3352800" y="4038590"/>
             <a:ext cx="0" cy="1143000"/>
           </a:xfrm>
           <a:prstGeom prst="line">
@@ -10905,7 +10905,7 @@
         </p:nvSpPr>
         <p:spPr>
           <a:xfrm>
-            <a:off x="8915400" y="4876790"/>
+            <a:off x="8915400" y="5029190"/>
             <a:ext cx="152400" cy="152400"/>
           </a:xfrm>
           <a:prstGeom prst="ellipse">
@@ -10951,7 +10951,7 @@
         </p:nvCxnSpPr>
         <p:spPr>
           <a:xfrm flipV="1">
-            <a:off x="3048000" y="3886190"/>
+            <a:off x="3048000" y="4038590"/>
             <a:ext cx="0" cy="381000"/>
           </a:xfrm>
           <a:prstGeom prst="line">
@@ -10988,7 +10988,7 @@
         </p:nvCxnSpPr>
         <p:spPr>
           <a:xfrm>
-            <a:off x="3048000" y="3886190"/>
+            <a:off x="3048000" y="4038590"/>
             <a:ext cx="228600" cy="0"/>
           </a:xfrm>
           <a:prstGeom prst="line">
@@ -11027,7 +11027,7 @@
         </p:nvCxnSpPr>
         <p:spPr>
           <a:xfrm flipV="1">
-            <a:off x="6705600" y="4571990"/>
+            <a:off x="6705600" y="4724390"/>
             <a:ext cx="0" cy="152400"/>
           </a:xfrm>
           <a:prstGeom prst="line">
@@ -11064,7 +11064,7 @@
         </p:nvCxnSpPr>
         <p:spPr>
           <a:xfrm>
-            <a:off x="2362200" y="4724390"/>
+            <a:off x="2362200" y="4876790"/>
             <a:ext cx="6629400" cy="0"/>
           </a:xfrm>
           <a:prstGeom prst="line">
@@ -11101,7 +11101,7 @@
         </p:nvSpPr>
         <p:spPr>
           <a:xfrm rot="5400000">
-            <a:off x="3276600" y="5029190"/>
+            <a:off x="3276600" y="5181590"/>
             <a:ext cx="304800" cy="304800"/>
           </a:xfrm>
           <a:prstGeom prst="flowChartDelay">
@@ -11142,13 +11142,15 @@
       <p:cxnSp>
         <p:nvCxnSpPr>
           <p:cNvPr id="811" name="Straight Connector 810"/>
-          <p:cNvCxnSpPr/>
+          <p:cNvCxnSpPr>
+            <a:endCxn id="271" idx="0"/>
+          </p:cNvCxnSpPr>
           <p:nvPr/>
         </p:nvCxnSpPr>
         <p:spPr>
           <a:xfrm>
-            <a:off x="3505200" y="4724390"/>
-            <a:ext cx="0" cy="304800"/>
+            <a:off x="3505200" y="4876790"/>
+            <a:ext cx="0" cy="152410"/>
           </a:xfrm>
           <a:prstGeom prst="line">
             <a:avLst/>
@@ -11186,7 +11188,7 @@
         </p:nvCxnSpPr>
         <p:spPr>
           <a:xfrm>
-            <a:off x="3429000" y="5333990"/>
+            <a:off x="3429000" y="5486390"/>
             <a:ext cx="0" cy="914400"/>
           </a:xfrm>
           <a:prstGeom prst="line">
@@ -11223,7 +11225,7 @@
         </p:nvCxnSpPr>
         <p:spPr>
           <a:xfrm flipH="1" flipV="1">
-            <a:off x="5715000" y="3657590"/>
+            <a:off x="5715000" y="3809990"/>
             <a:ext cx="152400" cy="76200"/>
           </a:xfrm>
           <a:prstGeom prst="line">
@@ -11260,7 +11262,7 @@
         </p:nvSpPr>
         <p:spPr>
           <a:xfrm>
-            <a:off x="5638800" y="3733790"/>
+            <a:off x="5638800" y="3886190"/>
             <a:ext cx="457200" cy="152400"/>
           </a:xfrm>
           <a:prstGeom prst="rect">
@@ -11323,7 +11325,7 @@
         </p:nvSpPr>
         <p:spPr>
           <a:xfrm rot="5400000">
-            <a:off x="3886200" y="3505190"/>
+            <a:off x="3886200" y="3657590"/>
             <a:ext cx="457200" cy="152400"/>
           </a:xfrm>
           <a:prstGeom prst="trapezoid">
@@ -11371,7 +11373,7 @@
         </p:nvSpPr>
         <p:spPr>
           <a:xfrm>
-            <a:off x="4038600" y="3581390"/>
+            <a:off x="4038600" y="3733790"/>
             <a:ext cx="152400" cy="152400"/>
           </a:xfrm>
           <a:prstGeom prst="rect">
@@ -11423,7 +11425,7 @@
         </p:nvSpPr>
         <p:spPr>
           <a:xfrm>
-            <a:off x="4038600" y="3428990"/>
+            <a:off x="4038600" y="3581390"/>
             <a:ext cx="152400" cy="152400"/>
           </a:xfrm>
           <a:prstGeom prst="rect">
@@ -11477,7 +11479,7 @@
         </p:nvCxnSpPr>
         <p:spPr>
           <a:xfrm>
-            <a:off x="3429000" y="3733790"/>
+            <a:off x="3429000" y="3886190"/>
             <a:ext cx="609600" cy="0"/>
           </a:xfrm>
           <a:prstGeom prst="line">
@@ -11514,7 +11516,7 @@
         </p:nvCxnSpPr>
         <p:spPr>
           <a:xfrm>
-            <a:off x="3733800" y="3428990"/>
+            <a:off x="3733800" y="3581390"/>
             <a:ext cx="304800" cy="0"/>
           </a:xfrm>
           <a:prstGeom prst="line">
@@ -11551,7 +11553,7 @@
         </p:nvSpPr>
         <p:spPr>
           <a:xfrm>
-            <a:off x="3581400" y="3276590"/>
+            <a:off x="3581400" y="3428990"/>
             <a:ext cx="457200" cy="152400"/>
           </a:xfrm>
           <a:prstGeom prst="rect">
@@ -11604,8 +11606,8 @@
         </p:nvCxnSpPr>
         <p:spPr>
           <a:xfrm>
-            <a:off x="4114800" y="3047990"/>
-            <a:ext cx="0" cy="381000"/>
+            <a:off x="4114800" y="2819400"/>
+            <a:ext cx="0" cy="761990"/>
           </a:xfrm>
           <a:prstGeom prst="line">
             <a:avLst/>
@@ -11633,45 +11635,6 @@
           </a:fontRef>
         </p:style>
       </p:cxnSp>
-      <p:cxnSp>
-        <p:nvCxnSpPr>
-          <p:cNvPr id="823" name="Straight Connector 822"/>
-          <p:cNvCxnSpPr>
-            <a:stCxn id="824" idx="3"/>
-          </p:cNvCxnSpPr>
-          <p:nvPr/>
-        </p:nvCxnSpPr>
-        <p:spPr>
-          <a:xfrm>
-            <a:off x="990600" y="3047990"/>
-            <a:ext cx="3124200" cy="0"/>
-          </a:xfrm>
-          <a:prstGeom prst="line">
-            <a:avLst/>
-          </a:prstGeom>
-          <a:ln w="12700">
-            <a:solidFill>
-              <a:srgbClr val="000000"/>
-            </a:solidFill>
-            <a:headEnd type="none" w="med" len="med"/>
-            <a:tailEnd type="none" w="med" len="med"/>
-          </a:ln>
-        </p:spPr>
-        <p:style>
-          <a:lnRef idx="1">
-            <a:schemeClr val="accent1"/>
-          </a:lnRef>
-          <a:fillRef idx="0">
-            <a:schemeClr val="accent1"/>
-          </a:fillRef>
-          <a:effectRef idx="0">
-            <a:schemeClr val="accent1"/>
-          </a:effectRef>
-          <a:fontRef idx="minor">
-            <a:schemeClr val="tx1"/>
-          </a:fontRef>
-        </p:style>
-      </p:cxnSp>
       <p:sp>
         <p:nvSpPr>
           <p:cNvPr id="824" name="Pentagon 823"/>
@@ -11680,7 +11643,7 @@
         </p:nvSpPr>
         <p:spPr>
           <a:xfrm>
-            <a:off x="762000" y="2971790"/>
+            <a:off x="762000" y="2743200"/>
             <a:ext cx="228600" cy="152400"/>
           </a:xfrm>
           <a:prstGeom prst="homePlate">
@@ -11731,7 +11694,7 @@
         </p:nvCxnSpPr>
         <p:spPr>
           <a:xfrm flipV="1">
-            <a:off x="1066800" y="2971790"/>
+            <a:off x="1066800" y="2743200"/>
             <a:ext cx="152400" cy="152404"/>
           </a:xfrm>
           <a:prstGeom prst="line">
@@ -11768,7 +11731,7 @@
         </p:nvSpPr>
         <p:spPr>
           <a:xfrm>
-            <a:off x="1066801" y="2895590"/>
+            <a:off x="1066801" y="2667000"/>
             <a:ext cx="152400" cy="76200"/>
           </a:xfrm>
           <a:prstGeom prst="rect">
@@ -11821,7 +11784,7 @@
         </p:nvSpPr>
         <p:spPr>
           <a:xfrm>
-            <a:off x="1295400" y="2895590"/>
+            <a:off x="1295400" y="2667000"/>
             <a:ext cx="457200" cy="152400"/>
           </a:xfrm>
           <a:prstGeom prst="rect">
@@ -11853,7 +11816,7 @@
           <a:lstStyle/>
           <a:p>
             <a:r>
-              <a:rPr lang="en-US" sz="900" dirty="0">
+              <a:rPr lang="en-US" sz="900" dirty="0" smtClean="0">
                 <a:solidFill>
                   <a:srgbClr val="000000"/>
                 </a:solidFill>
@@ -11862,6 +11825,13 @@
               </a:rPr>
               <a:t>INIT</a:t>
             </a:r>
+            <a:endParaRPr lang="en-US" sz="900" dirty="0">
+              <a:solidFill>
+                <a:srgbClr val="000000"/>
+              </a:solidFill>
+              <a:latin typeface="Courier New" panose="02070309020205020404" pitchFamily="49" charset="0"/>
+              <a:cs typeface="Courier New" panose="02070309020205020404" pitchFamily="49" charset="0"/>
+            </a:endParaRPr>
           </a:p>
         </p:txBody>
       </p:sp>
@@ -11873,7 +11843,7 @@
         </p:nvSpPr>
         <p:spPr>
           <a:xfrm rot="5400000">
-            <a:off x="4724400" y="3352790"/>
+            <a:off x="4724400" y="3505190"/>
             <a:ext cx="457200" cy="152400"/>
           </a:xfrm>
           <a:prstGeom prst="trapezoid">
@@ -11921,7 +11891,7 @@
         </p:nvSpPr>
         <p:spPr>
           <a:xfrm>
-            <a:off x="4876800" y="3428990"/>
+            <a:off x="4876800" y="3581390"/>
             <a:ext cx="152400" cy="152400"/>
           </a:xfrm>
           <a:prstGeom prst="rect">
@@ -11973,7 +11943,7 @@
         </p:nvSpPr>
         <p:spPr>
           <a:xfrm>
-            <a:off x="4876800" y="3276590"/>
+            <a:off x="4876800" y="3428990"/>
             <a:ext cx="152400" cy="152400"/>
           </a:xfrm>
           <a:prstGeom prst="rect">
@@ -12027,7 +11997,7 @@
         </p:nvCxnSpPr>
         <p:spPr>
           <a:xfrm>
-            <a:off x="4191000" y="3581390"/>
+            <a:off x="4191000" y="3733790"/>
             <a:ext cx="685800" cy="0"/>
           </a:xfrm>
           <a:prstGeom prst="line">
@@ -12064,7 +12034,7 @@
         </p:nvCxnSpPr>
         <p:spPr>
           <a:xfrm>
-            <a:off x="4572000" y="3276590"/>
+            <a:off x="4572000" y="3428990"/>
             <a:ext cx="304800" cy="0"/>
           </a:xfrm>
           <a:prstGeom prst="line">
@@ -12101,7 +12071,7 @@
         </p:nvSpPr>
         <p:spPr>
           <a:xfrm>
-            <a:off x="4419600" y="3124190"/>
+            <a:off x="4419600" y="3276590"/>
             <a:ext cx="457200" cy="152400"/>
           </a:xfrm>
           <a:prstGeom prst="rect">
@@ -12154,7 +12124,7 @@
         </p:nvSpPr>
         <p:spPr>
           <a:xfrm rot="5400000">
-            <a:off x="4724400" y="1904990"/>
+            <a:off x="4724400" y="1752600"/>
             <a:ext cx="457200" cy="152400"/>
           </a:xfrm>
           <a:prstGeom prst="trapezoid">
@@ -12202,7 +12172,7 @@
         </p:nvSpPr>
         <p:spPr>
           <a:xfrm>
-            <a:off x="4876800" y="1981190"/>
+            <a:off x="4876800" y="1828800"/>
             <a:ext cx="152400" cy="152400"/>
           </a:xfrm>
           <a:prstGeom prst="rect">
@@ -12254,7 +12224,7 @@
         </p:nvSpPr>
         <p:spPr>
           <a:xfrm>
-            <a:off x="4876800" y="1828790"/>
+            <a:off x="4876800" y="1676400"/>
             <a:ext cx="152400" cy="152400"/>
           </a:xfrm>
           <a:prstGeom prst="rect">
@@ -12306,7 +12276,7 @@
         </p:nvCxnSpPr>
         <p:spPr>
           <a:xfrm>
-            <a:off x="4572000" y="1828790"/>
+            <a:off x="4572000" y="1676400"/>
             <a:ext cx="304800" cy="0"/>
           </a:xfrm>
           <a:prstGeom prst="line">
@@ -12343,7 +12313,7 @@
         </p:nvSpPr>
         <p:spPr>
           <a:xfrm>
-            <a:off x="4419600" y="1676390"/>
+            <a:off x="4419600" y="1524000"/>
             <a:ext cx="457200" cy="152400"/>
           </a:xfrm>
           <a:prstGeom prst="rect">
@@ -12398,7 +12368,7 @@
         </p:nvCxnSpPr>
         <p:spPr>
           <a:xfrm>
-            <a:off x="5029200" y="1981190"/>
+            <a:off x="5029200" y="1828800"/>
             <a:ext cx="304800" cy="0"/>
           </a:xfrm>
           <a:prstGeom prst="line">
@@ -12435,7 +12405,7 @@
         </p:nvSpPr>
         <p:spPr>
           <a:xfrm rot="5400000">
-            <a:off x="4724400" y="1066790"/>
+            <a:off x="4724400" y="914400"/>
             <a:ext cx="457200" cy="152400"/>
           </a:xfrm>
           <a:prstGeom prst="trapezoid">
@@ -12483,7 +12453,7 @@
         </p:nvSpPr>
         <p:spPr>
           <a:xfrm>
-            <a:off x="4876800" y="1142990"/>
+            <a:off x="4876800" y="990600"/>
             <a:ext cx="152400" cy="152400"/>
           </a:xfrm>
           <a:prstGeom prst="rect">
@@ -12535,7 +12505,7 @@
         </p:nvSpPr>
         <p:spPr>
           <a:xfrm>
-            <a:off x="4876800" y="990590"/>
+            <a:off x="4876800" y="838200"/>
             <a:ext cx="152400" cy="152400"/>
           </a:xfrm>
           <a:prstGeom prst="rect">
@@ -12587,7 +12557,7 @@
         </p:nvCxnSpPr>
         <p:spPr>
           <a:xfrm>
-            <a:off x="4572000" y="990590"/>
+            <a:off x="4572000" y="838200"/>
             <a:ext cx="304800" cy="0"/>
           </a:xfrm>
           <a:prstGeom prst="line">
@@ -12624,7 +12594,7 @@
         </p:nvSpPr>
         <p:spPr>
           <a:xfrm>
-            <a:off x="4419600" y="838190"/>
+            <a:off x="4419600" y="685800"/>
             <a:ext cx="457200" cy="152400"/>
           </a:xfrm>
           <a:prstGeom prst="rect">
@@ -12679,7 +12649,7 @@
         </p:nvCxnSpPr>
         <p:spPr>
           <a:xfrm>
-            <a:off x="5029200" y="1142990"/>
+            <a:off x="5029200" y="990600"/>
             <a:ext cx="304800" cy="0"/>
           </a:xfrm>
           <a:prstGeom prst="line">
@@ -12718,7 +12688,7 @@
         </p:nvCxnSpPr>
         <p:spPr>
           <a:xfrm>
-            <a:off x="5029200" y="6172190"/>
+            <a:off x="5029200" y="6324590"/>
             <a:ext cx="304800" cy="0"/>
           </a:xfrm>
           <a:prstGeom prst="line">
@@ -12755,7 +12725,7 @@
         </p:nvSpPr>
         <p:spPr>
           <a:xfrm rot="5400000">
-            <a:off x="4724400" y="6095990"/>
+            <a:off x="4724400" y="6248390"/>
             <a:ext cx="457200" cy="152400"/>
           </a:xfrm>
           <a:prstGeom prst="trapezoid">
@@ -12803,7 +12773,7 @@
         </p:nvSpPr>
         <p:spPr>
           <a:xfrm>
-            <a:off x="4876800" y="6172190"/>
+            <a:off x="4876800" y="6324590"/>
             <a:ext cx="152400" cy="152400"/>
           </a:xfrm>
           <a:prstGeom prst="rect">
@@ -12855,7 +12825,7 @@
         </p:nvSpPr>
         <p:spPr>
           <a:xfrm>
-            <a:off x="4876800" y="6019790"/>
+            <a:off x="4876800" y="6172190"/>
             <a:ext cx="152400" cy="152400"/>
           </a:xfrm>
           <a:prstGeom prst="rect">
@@ -12907,7 +12877,7 @@
         </p:nvCxnSpPr>
         <p:spPr>
           <a:xfrm>
-            <a:off x="4572000" y="6019790"/>
+            <a:off x="4572000" y="6172190"/>
             <a:ext cx="304800" cy="0"/>
           </a:xfrm>
           <a:prstGeom prst="line">
@@ -12944,7 +12914,7 @@
         </p:nvSpPr>
         <p:spPr>
           <a:xfrm>
-            <a:off x="4419600" y="5867390"/>
+            <a:off x="4419600" y="6019790"/>
             <a:ext cx="457200" cy="152400"/>
           </a:xfrm>
           <a:prstGeom prst="rect">
@@ -12997,7 +12967,7 @@
         </p:nvSpPr>
         <p:spPr>
           <a:xfrm rot="5400000">
-            <a:off x="9677400" y="6476990"/>
+            <a:off x="9677400" y="6629390"/>
             <a:ext cx="457200" cy="152400"/>
           </a:xfrm>
           <a:prstGeom prst="trapezoid">
@@ -13045,7 +13015,7 @@
         </p:nvSpPr>
         <p:spPr>
           <a:xfrm>
-            <a:off x="9829800" y="6553190"/>
+            <a:off x="9829800" y="6705590"/>
             <a:ext cx="152400" cy="152400"/>
           </a:xfrm>
           <a:prstGeom prst="rect">
@@ -13097,7 +13067,7 @@
         </p:nvSpPr>
         <p:spPr>
           <a:xfrm>
-            <a:off x="9829800" y="6400790"/>
+            <a:off x="9829800" y="6553190"/>
             <a:ext cx="152400" cy="152400"/>
           </a:xfrm>
           <a:prstGeom prst="rect">
@@ -13149,7 +13119,7 @@
         </p:nvCxnSpPr>
         <p:spPr>
           <a:xfrm>
-            <a:off x="9525000" y="6400790"/>
+            <a:off x="9525000" y="6553190"/>
             <a:ext cx="304800" cy="0"/>
           </a:xfrm>
           <a:prstGeom prst="line">
@@ -13186,7 +13156,7 @@
         </p:nvSpPr>
         <p:spPr>
           <a:xfrm>
-            <a:off x="9372600" y="6248390"/>
+            <a:off x="9372600" y="6400790"/>
             <a:ext cx="457200" cy="152400"/>
           </a:xfrm>
           <a:prstGeom prst="rect">
@@ -13239,7 +13209,7 @@
         </p:nvCxnSpPr>
         <p:spPr>
           <a:xfrm>
-            <a:off x="9982200" y="6553190"/>
+            <a:off x="9982200" y="6705590"/>
             <a:ext cx="457200" cy="0"/>
           </a:xfrm>
           <a:prstGeom prst="line">
@@ -13276,7 +13246,7 @@
         </p:nvSpPr>
         <p:spPr>
           <a:xfrm>
-            <a:off x="762000" y="7467590"/>
+            <a:off x="762000" y="7619990"/>
             <a:ext cx="228600" cy="152400"/>
           </a:xfrm>
           <a:prstGeom prst="homePlate">
@@ -13327,7 +13297,7 @@
         </p:nvCxnSpPr>
         <p:spPr>
           <a:xfrm flipV="1">
-            <a:off x="1066800" y="7467590"/>
+            <a:off x="1066800" y="7619990"/>
             <a:ext cx="152400" cy="152404"/>
           </a:xfrm>
           <a:prstGeom prst="line">
@@ -13364,7 +13334,7 @@
         </p:nvSpPr>
         <p:spPr>
           <a:xfrm>
-            <a:off x="1066801" y="7391390"/>
+            <a:off x="1066801" y="7543790"/>
             <a:ext cx="152400" cy="76200"/>
           </a:xfrm>
           <a:prstGeom prst="rect">
@@ -13419,7 +13389,7 @@
         </p:nvCxnSpPr>
         <p:spPr>
           <a:xfrm>
-            <a:off x="990600" y="7543790"/>
+            <a:off x="990600" y="7696190"/>
             <a:ext cx="8915400" cy="0"/>
           </a:xfrm>
           <a:prstGeom prst="line">
@@ -13456,7 +13426,7 @@
         </p:nvCxnSpPr>
         <p:spPr>
           <a:xfrm flipV="1">
-            <a:off x="9906000" y="6705590"/>
+            <a:off x="9906000" y="6857990"/>
             <a:ext cx="0" cy="838200"/>
           </a:xfrm>
           <a:prstGeom prst="line">
@@ -13493,7 +13463,7 @@
         </p:nvSpPr>
         <p:spPr>
           <a:xfrm>
-            <a:off x="1295400" y="7391390"/>
+            <a:off x="1295400" y="7543790"/>
             <a:ext cx="457200" cy="152400"/>
           </a:xfrm>
           <a:prstGeom prst="rect">
@@ -13545,7 +13515,7 @@
         </p:nvCxnSpPr>
         <p:spPr>
           <a:xfrm flipV="1">
-            <a:off x="4953000" y="6324590"/>
+            <a:off x="4953000" y="6476990"/>
             <a:ext cx="0" cy="1219200"/>
           </a:xfrm>
           <a:prstGeom prst="line">
@@ -13582,7 +13552,7 @@
         </p:nvCxnSpPr>
         <p:spPr>
           <a:xfrm flipV="1">
-            <a:off x="4953000" y="3581390"/>
+            <a:off x="4953000" y="3733790"/>
             <a:ext cx="0" cy="2438400"/>
           </a:xfrm>
           <a:prstGeom prst="line">
@@ -13619,8 +13589,8 @@
         </p:nvCxnSpPr>
         <p:spPr>
           <a:xfrm flipV="1">
-            <a:off x="4953000" y="2133590"/>
-            <a:ext cx="0" cy="1143000"/>
+            <a:off x="4953000" y="1981200"/>
+            <a:ext cx="0" cy="1447790"/>
           </a:xfrm>
           <a:prstGeom prst="line">
             <a:avLst/>
@@ -13656,7 +13626,7 @@
         </p:nvCxnSpPr>
         <p:spPr>
           <a:xfrm flipV="1">
-            <a:off x="4953000" y="1295390"/>
+            <a:off x="4953000" y="1143000"/>
             <a:ext cx="0" cy="533400"/>
           </a:xfrm>
           <a:prstGeom prst="line">
@@ -13693,7 +13663,7 @@
         </p:nvCxnSpPr>
         <p:spPr>
           <a:xfrm flipV="1">
-            <a:off x="4343400" y="4648190"/>
+            <a:off x="4343400" y="4800590"/>
             <a:ext cx="152400" cy="152404"/>
           </a:xfrm>
           <a:prstGeom prst="line">
@@ -13730,7 +13700,7 @@
         </p:nvSpPr>
         <p:spPr>
           <a:xfrm>
-            <a:off x="4343401" y="4571990"/>
+            <a:off x="4343401" y="4724390"/>
             <a:ext cx="152400" cy="76200"/>
           </a:xfrm>
           <a:prstGeom prst="rect">
@@ -13783,7 +13753,7 @@
         </p:nvSpPr>
         <p:spPr>
           <a:xfrm>
-            <a:off x="5029200" y="4571990"/>
+            <a:off x="5029200" y="4724390"/>
             <a:ext cx="457200" cy="152400"/>
           </a:xfrm>
           <a:prstGeom prst="rect">
@@ -13835,7 +13805,7 @@
         </p:nvCxnSpPr>
         <p:spPr>
           <a:xfrm flipV="1">
-            <a:off x="5715000" y="1904990"/>
+            <a:off x="5715000" y="1752600"/>
             <a:ext cx="152400" cy="152404"/>
           </a:xfrm>
           <a:prstGeom prst="line">
@@ -13872,7 +13842,7 @@
         </p:nvSpPr>
         <p:spPr>
           <a:xfrm>
-            <a:off x="5715001" y="1828790"/>
+            <a:off x="5715001" y="1676400"/>
             <a:ext cx="152400" cy="76200"/>
           </a:xfrm>
           <a:prstGeom prst="rect">
@@ -13925,7 +13895,7 @@
         </p:nvCxnSpPr>
         <p:spPr>
           <a:xfrm flipV="1">
-            <a:off x="5715000" y="1066790"/>
+            <a:off x="5715000" y="914400"/>
             <a:ext cx="152400" cy="152404"/>
           </a:xfrm>
           <a:prstGeom prst="line">
@@ -13962,7 +13932,7 @@
         </p:nvSpPr>
         <p:spPr>
           <a:xfrm>
-            <a:off x="5715001" y="990590"/>
+            <a:off x="5715001" y="838200"/>
             <a:ext cx="152400" cy="76200"/>
           </a:xfrm>
           <a:prstGeom prst="rect">
@@ -14015,7 +13985,7 @@
         </p:nvSpPr>
         <p:spPr>
           <a:xfrm>
-            <a:off x="5943600" y="1828790"/>
+            <a:off x="5943600" y="1676400"/>
             <a:ext cx="457200" cy="152400"/>
           </a:xfrm>
           <a:prstGeom prst="rect">
@@ -14067,7 +14037,7 @@
         </p:nvSpPr>
         <p:spPr>
           <a:xfrm>
-            <a:off x="5943600" y="990590"/>
+            <a:off x="5943600" y="838200"/>
             <a:ext cx="457200" cy="152400"/>
           </a:xfrm>
           <a:prstGeom prst="rect">
@@ -14119,7 +14089,7 @@
         </p:nvCxnSpPr>
         <p:spPr>
           <a:xfrm flipV="1">
-            <a:off x="3048000" y="1219190"/>
+            <a:off x="3048000" y="1066800"/>
             <a:ext cx="152400" cy="152404"/>
           </a:xfrm>
           <a:prstGeom prst="line">
@@ -14156,7 +14126,7 @@
         </p:nvSpPr>
         <p:spPr>
           <a:xfrm>
-            <a:off x="3048001" y="1142990"/>
+            <a:off x="3048001" y="990600"/>
             <a:ext cx="152400" cy="76200"/>
           </a:xfrm>
           <a:prstGeom prst="rect">
@@ -14209,7 +14179,7 @@
         </p:nvSpPr>
         <p:spPr>
           <a:xfrm>
-            <a:off x="3429000" y="1142990"/>
+            <a:off x="3429000" y="990600"/>
             <a:ext cx="457200" cy="152400"/>
           </a:xfrm>
           <a:prstGeom prst="rect">
@@ -14268,7 +14238,7 @@
         </p:nvSpPr>
         <p:spPr>
           <a:xfrm>
-            <a:off x="762000" y="7924783"/>
+            <a:off x="762000" y="8077183"/>
             <a:ext cx="228600" cy="152400"/>
           </a:xfrm>
           <a:prstGeom prst="homePlate">
@@ -14319,7 +14289,7 @@
         </p:nvCxnSpPr>
         <p:spPr>
           <a:xfrm flipV="1">
-            <a:off x="1066800" y="7924783"/>
+            <a:off x="1066800" y="8077183"/>
             <a:ext cx="152400" cy="152400"/>
           </a:xfrm>
           <a:prstGeom prst="line">
@@ -14356,7 +14326,7 @@
         </p:nvSpPr>
         <p:spPr>
           <a:xfrm>
-            <a:off x="1066800" y="7848583"/>
+            <a:off x="1066800" y="8000983"/>
             <a:ext cx="152400" cy="76200"/>
           </a:xfrm>
           <a:prstGeom prst="rect">
@@ -14409,7 +14379,7 @@
         </p:nvSpPr>
         <p:spPr>
           <a:xfrm>
-            <a:off x="1295400" y="7848583"/>
+            <a:off x="1295400" y="8000983"/>
             <a:ext cx="457200" cy="152400"/>
           </a:xfrm>
           <a:prstGeom prst="rect">
@@ -14470,7 +14440,7 @@
         </p:nvCxnSpPr>
         <p:spPr>
           <a:xfrm>
-            <a:off x="990600" y="8000983"/>
+            <a:off x="990600" y="8153383"/>
             <a:ext cx="914400" cy="0"/>
           </a:xfrm>
           <a:prstGeom prst="line">
@@ -14507,7 +14477,7 @@
         </p:nvSpPr>
         <p:spPr>
           <a:xfrm>
-            <a:off x="2362200" y="7924800"/>
+            <a:off x="2362200" y="8077200"/>
             <a:ext cx="304800" cy="304793"/>
           </a:xfrm>
           <a:prstGeom prst="rect">
@@ -14553,7 +14523,7 @@
         </p:nvCxnSpPr>
         <p:spPr>
           <a:xfrm flipV="1">
-            <a:off x="2438401" y="8153356"/>
+            <a:off x="2438401" y="8305756"/>
             <a:ext cx="76200" cy="76200"/>
           </a:xfrm>
           <a:prstGeom prst="line">
@@ -14588,7 +14558,7 @@
         </p:nvCxnSpPr>
         <p:spPr>
           <a:xfrm flipH="1" flipV="1">
-            <a:off x="2514601" y="8153356"/>
+            <a:off x="2514601" y="8305756"/>
             <a:ext cx="76200" cy="76200"/>
           </a:xfrm>
           <a:prstGeom prst="line">
@@ -14623,7 +14593,7 @@
         </p:nvSpPr>
         <p:spPr>
           <a:xfrm>
-            <a:off x="2438400" y="7924763"/>
+            <a:off x="2438400" y="8077163"/>
             <a:ext cx="152400" cy="152400"/>
           </a:xfrm>
           <a:prstGeom prst="rect">
@@ -14676,7 +14646,7 @@
         </p:nvSpPr>
         <p:spPr>
           <a:xfrm>
-            <a:off x="1981200" y="7924783"/>
+            <a:off x="1981200" y="8077183"/>
             <a:ext cx="457200" cy="152400"/>
           </a:xfrm>
           <a:prstGeom prst="rect">
@@ -14728,7 +14698,7 @@
         </p:nvSpPr>
         <p:spPr>
           <a:xfrm>
-            <a:off x="2819400" y="7924783"/>
+            <a:off x="2819400" y="8077183"/>
             <a:ext cx="457200" cy="152400"/>
           </a:xfrm>
           <a:prstGeom prst="rect">
@@ -14780,7 +14750,7 @@
         </p:nvSpPr>
         <p:spPr>
           <a:xfrm>
-            <a:off x="762000" y="8381990"/>
+            <a:off x="762000" y="8534390"/>
             <a:ext cx="228600" cy="152400"/>
           </a:xfrm>
           <a:prstGeom prst="homePlate">
@@ -14831,7 +14801,7 @@
         </p:nvCxnSpPr>
         <p:spPr>
           <a:xfrm flipV="1">
-            <a:off x="1066800" y="8381990"/>
+            <a:off x="1066800" y="8534390"/>
             <a:ext cx="152400" cy="152400"/>
           </a:xfrm>
           <a:prstGeom prst="line">
@@ -14868,7 +14838,7 @@
         </p:nvSpPr>
         <p:spPr>
           <a:xfrm>
-            <a:off x="1066800" y="8305790"/>
+            <a:off x="1066800" y="8458190"/>
             <a:ext cx="152400" cy="76200"/>
           </a:xfrm>
           <a:prstGeom prst="rect">
@@ -14921,7 +14891,7 @@
         </p:nvSpPr>
         <p:spPr>
           <a:xfrm>
-            <a:off x="1295400" y="8305790"/>
+            <a:off x="1295400" y="8458190"/>
             <a:ext cx="457200" cy="152400"/>
           </a:xfrm>
           <a:prstGeom prst="rect">
@@ -14982,7 +14952,7 @@
         </p:nvCxnSpPr>
         <p:spPr>
           <a:xfrm>
-            <a:off x="990600" y="8458190"/>
+            <a:off x="990600" y="8610590"/>
             <a:ext cx="914400" cy="0"/>
           </a:xfrm>
           <a:prstGeom prst="line">
@@ -15019,7 +14989,7 @@
         </p:nvSpPr>
         <p:spPr>
           <a:xfrm>
-            <a:off x="2362200" y="8382007"/>
+            <a:off x="2362200" y="8534407"/>
             <a:ext cx="304800" cy="304793"/>
           </a:xfrm>
           <a:prstGeom prst="rect">
@@ -15065,7 +15035,7 @@
         </p:nvCxnSpPr>
         <p:spPr>
           <a:xfrm flipV="1">
-            <a:off x="2438401" y="8610563"/>
+            <a:off x="2438401" y="8762963"/>
             <a:ext cx="76200" cy="76200"/>
           </a:xfrm>
           <a:prstGeom prst="line">
@@ -15100,7 +15070,7 @@
         </p:nvCxnSpPr>
         <p:spPr>
           <a:xfrm flipH="1" flipV="1">
-            <a:off x="2514601" y="8610563"/>
+            <a:off x="2514601" y="8762963"/>
             <a:ext cx="76200" cy="76200"/>
           </a:xfrm>
           <a:prstGeom prst="line">
@@ -15135,7 +15105,7 @@
         </p:nvSpPr>
         <p:spPr>
           <a:xfrm>
-            <a:off x="2438400" y="8381970"/>
+            <a:off x="2438400" y="8534370"/>
             <a:ext cx="152400" cy="152400"/>
           </a:xfrm>
           <a:prstGeom prst="rect">
@@ -15188,7 +15158,7 @@
         </p:nvSpPr>
         <p:spPr>
           <a:xfrm>
-            <a:off x="1981200" y="8381990"/>
+            <a:off x="1981200" y="8534390"/>
             <a:ext cx="457200" cy="152400"/>
           </a:xfrm>
           <a:prstGeom prst="rect">
@@ -15240,7 +15210,7 @@
         </p:nvSpPr>
         <p:spPr>
           <a:xfrm>
-            <a:off x="2819400" y="8381990"/>
+            <a:off x="2819400" y="8534390"/>
             <a:ext cx="457200" cy="152400"/>
           </a:xfrm>
           <a:prstGeom prst="rect">
@@ -15284,6 +15254,446 @@
           </a:p>
         </p:txBody>
       </p:sp>
+      <p:sp>
+        <p:nvSpPr>
+          <p:cNvPr id="271" name="Oval 270"/>
+          <p:cNvSpPr/>
+          <p:nvPr/>
+        </p:nvSpPr>
+        <p:spPr>
+          <a:xfrm>
+            <a:off x="3429000" y="5029200"/>
+            <a:ext cx="152400" cy="152400"/>
+          </a:xfrm>
+          <a:prstGeom prst="ellipse">
+            <a:avLst/>
+          </a:prstGeom>
+          <a:noFill/>
+          <a:ln w="12700">
+            <a:solidFill>
+              <a:schemeClr val="tx1"/>
+            </a:solidFill>
+          </a:ln>
+        </p:spPr>
+        <p:style>
+          <a:lnRef idx="2">
+            <a:schemeClr val="accent1">
+              <a:shade val="50000"/>
+            </a:schemeClr>
+          </a:lnRef>
+          <a:fillRef idx="1">
+            <a:schemeClr val="accent1"/>
+          </a:fillRef>
+          <a:effectRef idx="0">
+            <a:schemeClr val="accent1"/>
+          </a:effectRef>
+          <a:fontRef idx="minor">
+            <a:schemeClr val="lt1"/>
+          </a:fontRef>
+        </p:style>
+        <p:txBody>
+          <a:bodyPr rtlCol="0" anchor="ctr"/>
+          <a:lstStyle/>
+          <a:p>
+            <a:pPr algn="ctr"/>
+            <a:endParaRPr lang="en-US"/>
+          </a:p>
+        </p:txBody>
+      </p:sp>
+      <p:sp>
+        <p:nvSpPr>
+          <p:cNvPr id="273" name="Rectangle 272"/>
+          <p:cNvSpPr/>
+          <p:nvPr/>
+        </p:nvSpPr>
+        <p:spPr>
+          <a:xfrm>
+            <a:off x="2209800" y="2743207"/>
+            <a:ext cx="304800" cy="304793"/>
+          </a:xfrm>
+          <a:prstGeom prst="rect">
+            <a:avLst/>
+          </a:prstGeom>
+          <a:noFill/>
+          <a:ln w="12700">
+            <a:solidFill>
+              <a:srgbClr val="000000"/>
+            </a:solidFill>
+          </a:ln>
+        </p:spPr>
+        <p:style>
+          <a:lnRef idx="2">
+            <a:schemeClr val="accent1">
+              <a:shade val="50000"/>
+            </a:schemeClr>
+          </a:lnRef>
+          <a:fillRef idx="1">
+            <a:schemeClr val="accent1"/>
+          </a:fillRef>
+          <a:effectRef idx="0">
+            <a:schemeClr val="accent1"/>
+          </a:effectRef>
+          <a:fontRef idx="minor">
+            <a:schemeClr val="lt1"/>
+          </a:fontRef>
+        </p:style>
+        <p:txBody>
+          <a:bodyPr rtlCol="0" anchor="ctr"/>
+          <a:lstStyle/>
+          <a:p>
+            <a:pPr algn="ctr"/>
+            <a:endParaRPr lang="en-US" sz="3730"/>
+          </a:p>
+        </p:txBody>
+      </p:sp>
+      <p:cxnSp>
+        <p:nvCxnSpPr>
+          <p:cNvPr id="274" name="Straight Connector 273"/>
+          <p:cNvCxnSpPr/>
+          <p:nvPr/>
+        </p:nvCxnSpPr>
+        <p:spPr>
+          <a:xfrm flipV="1">
+            <a:off x="2286001" y="2971761"/>
+            <a:ext cx="76200" cy="76200"/>
+          </a:xfrm>
+          <a:prstGeom prst="line">
+            <a:avLst/>
+          </a:prstGeom>
+          <a:ln w="12700">
+            <a:solidFill>
+              <a:srgbClr val="000000"/>
+            </a:solidFill>
+          </a:ln>
+        </p:spPr>
+        <p:style>
+          <a:lnRef idx="1">
+            <a:schemeClr val="accent1"/>
+          </a:lnRef>
+          <a:fillRef idx="0">
+            <a:schemeClr val="accent1"/>
+          </a:fillRef>
+          <a:effectRef idx="0">
+            <a:schemeClr val="accent1"/>
+          </a:effectRef>
+          <a:fontRef idx="minor">
+            <a:schemeClr val="tx1"/>
+          </a:fontRef>
+        </p:style>
+      </p:cxnSp>
+      <p:cxnSp>
+        <p:nvCxnSpPr>
+          <p:cNvPr id="275" name="Straight Connector 274"/>
+          <p:cNvCxnSpPr/>
+          <p:nvPr/>
+        </p:nvCxnSpPr>
+        <p:spPr>
+          <a:xfrm flipH="1" flipV="1">
+            <a:off x="2362201" y="2971761"/>
+            <a:ext cx="76200" cy="76200"/>
+          </a:xfrm>
+          <a:prstGeom prst="line">
+            <a:avLst/>
+          </a:prstGeom>
+          <a:ln w="12700">
+            <a:solidFill>
+              <a:srgbClr val="000000"/>
+            </a:solidFill>
+          </a:ln>
+        </p:spPr>
+        <p:style>
+          <a:lnRef idx="1">
+            <a:schemeClr val="accent1"/>
+          </a:lnRef>
+          <a:fillRef idx="0">
+            <a:schemeClr val="accent1"/>
+          </a:fillRef>
+          <a:effectRef idx="0">
+            <a:schemeClr val="accent1"/>
+          </a:effectRef>
+          <a:fontRef idx="minor">
+            <a:schemeClr val="tx1"/>
+          </a:fontRef>
+        </p:style>
+      </p:cxnSp>
+      <p:sp>
+        <p:nvSpPr>
+          <p:cNvPr id="276" name="Rectangle 275"/>
+          <p:cNvSpPr/>
+          <p:nvPr/>
+        </p:nvSpPr>
+        <p:spPr>
+          <a:xfrm>
+            <a:off x="2286000" y="2743170"/>
+            <a:ext cx="152400" cy="152400"/>
+          </a:xfrm>
+          <a:prstGeom prst="rect">
+            <a:avLst/>
+          </a:prstGeom>
+          <a:noFill/>
+          <a:ln>
+            <a:noFill/>
+          </a:ln>
+        </p:spPr>
+        <p:style>
+          <a:lnRef idx="2">
+            <a:schemeClr val="accent1">
+              <a:shade val="50000"/>
+            </a:schemeClr>
+          </a:lnRef>
+          <a:fillRef idx="1">
+            <a:schemeClr val="accent1"/>
+          </a:fillRef>
+          <a:effectRef idx="0">
+            <a:schemeClr val="accent1"/>
+          </a:effectRef>
+          <a:fontRef idx="minor">
+            <a:schemeClr val="lt1"/>
+          </a:fontRef>
+        </p:style>
+        <p:txBody>
+          <a:bodyPr wrap="none" lIns="45720" rIns="45720" rtlCol="0" anchor="ctr"/>
+          <a:lstStyle/>
+          <a:p>
+            <a:pPr algn="ctr"/>
+            <a:r>
+              <a:rPr lang="en-US" sz="900" dirty="0">
+                <a:solidFill>
+                  <a:srgbClr val="000000"/>
+                </a:solidFill>
+                <a:latin typeface="Courier New" panose="02070309020205020404" pitchFamily="49" charset="0"/>
+                <a:cs typeface="Courier New" panose="02070309020205020404" pitchFamily="49" charset="0"/>
+              </a:rPr>
+              <a:t>R</a:t>
+            </a:r>
+          </a:p>
+        </p:txBody>
+      </p:sp>
+      <p:cxnSp>
+        <p:nvCxnSpPr>
+          <p:cNvPr id="288" name="Straight Connector 287"/>
+          <p:cNvCxnSpPr/>
+          <p:nvPr/>
+        </p:nvCxnSpPr>
+        <p:spPr>
+          <a:xfrm>
+            <a:off x="2514600" y="2819400"/>
+            <a:ext cx="1600200" cy="0"/>
+          </a:xfrm>
+          <a:prstGeom prst="line">
+            <a:avLst/>
+          </a:prstGeom>
+          <a:ln w="12700">
+            <a:solidFill>
+              <a:srgbClr val="000000"/>
+            </a:solidFill>
+            <a:headEnd type="none" w="med" len="med"/>
+            <a:tailEnd type="none" w="med" len="med"/>
+          </a:ln>
+        </p:spPr>
+        <p:style>
+          <a:lnRef idx="1">
+            <a:schemeClr val="accent1"/>
+          </a:lnRef>
+          <a:fillRef idx="0">
+            <a:schemeClr val="accent1"/>
+          </a:fillRef>
+          <a:effectRef idx="0">
+            <a:schemeClr val="accent1"/>
+          </a:effectRef>
+          <a:fontRef idx="minor">
+            <a:schemeClr val="tx1"/>
+          </a:fontRef>
+        </p:style>
+      </p:cxnSp>
+      <p:cxnSp>
+        <p:nvCxnSpPr>
+          <p:cNvPr id="293" name="Straight Connector 292"/>
+          <p:cNvCxnSpPr/>
+          <p:nvPr/>
+        </p:nvCxnSpPr>
+        <p:spPr>
+          <a:xfrm flipV="1">
+            <a:off x="2590800" y="2743200"/>
+            <a:ext cx="152400" cy="152404"/>
+          </a:xfrm>
+          <a:prstGeom prst="line">
+            <a:avLst/>
+          </a:prstGeom>
+          <a:ln w="12700">
+            <a:solidFill>
+              <a:srgbClr val="000000"/>
+            </a:solidFill>
+            <a:headEnd type="none" w="med" len="med"/>
+            <a:tailEnd type="none" w="med" len="med"/>
+          </a:ln>
+        </p:spPr>
+        <p:style>
+          <a:lnRef idx="1">
+            <a:schemeClr val="accent1"/>
+          </a:lnRef>
+          <a:fillRef idx="0">
+            <a:schemeClr val="accent1"/>
+          </a:fillRef>
+          <a:effectRef idx="0">
+            <a:schemeClr val="accent1"/>
+          </a:effectRef>
+          <a:fontRef idx="minor">
+            <a:schemeClr val="tx1"/>
+          </a:fontRef>
+        </p:style>
+      </p:cxnSp>
+      <p:sp>
+        <p:nvSpPr>
+          <p:cNvPr id="294" name="Rectangle 293"/>
+          <p:cNvSpPr/>
+          <p:nvPr/>
+        </p:nvSpPr>
+        <p:spPr>
+          <a:xfrm>
+            <a:off x="2590801" y="2667000"/>
+            <a:ext cx="152400" cy="76200"/>
+          </a:xfrm>
+          <a:prstGeom prst="rect">
+            <a:avLst/>
+          </a:prstGeom>
+          <a:noFill/>
+          <a:ln>
+            <a:noFill/>
+          </a:ln>
+        </p:spPr>
+        <p:style>
+          <a:lnRef idx="2">
+            <a:schemeClr val="accent1">
+              <a:shade val="50000"/>
+            </a:schemeClr>
+          </a:lnRef>
+          <a:fillRef idx="1">
+            <a:schemeClr val="accent1"/>
+          </a:fillRef>
+          <a:effectRef idx="0">
+            <a:schemeClr val="accent1"/>
+          </a:effectRef>
+          <a:fontRef idx="minor">
+            <a:schemeClr val="lt1"/>
+          </a:fontRef>
+        </p:style>
+        <p:txBody>
+          <a:bodyPr wrap="none" lIns="45720" rIns="45720" rtlCol="0" anchor="ctr"/>
+          <a:lstStyle/>
+          <a:p>
+            <a:pPr algn="ctr"/>
+            <a:r>
+              <a:rPr lang="en-US" sz="900" dirty="0">
+                <a:solidFill>
+                  <a:srgbClr val="000000"/>
+                </a:solidFill>
+                <a:latin typeface="Courier New" panose="02070309020205020404" pitchFamily="49" charset="0"/>
+                <a:cs typeface="Courier New" panose="02070309020205020404" pitchFamily="49" charset="0"/>
+              </a:rPr>
+              <a:t>1</a:t>
+            </a:r>
+          </a:p>
+        </p:txBody>
+      </p:sp>
+      <p:sp>
+        <p:nvSpPr>
+          <p:cNvPr id="295" name="Rectangle 294"/>
+          <p:cNvSpPr/>
+          <p:nvPr/>
+        </p:nvSpPr>
+        <p:spPr>
+          <a:xfrm>
+            <a:off x="3505200" y="2667000"/>
+            <a:ext cx="457200" cy="152400"/>
+          </a:xfrm>
+          <a:prstGeom prst="rect">
+            <a:avLst/>
+          </a:prstGeom>
+          <a:noFill/>
+          <a:ln>
+            <a:noFill/>
+          </a:ln>
+        </p:spPr>
+        <p:style>
+          <a:lnRef idx="2">
+            <a:schemeClr val="accent1">
+              <a:shade val="50000"/>
+            </a:schemeClr>
+          </a:lnRef>
+          <a:fillRef idx="1">
+            <a:schemeClr val="accent1"/>
+          </a:fillRef>
+          <a:effectRef idx="0">
+            <a:schemeClr val="accent1"/>
+          </a:effectRef>
+          <a:fontRef idx="minor">
+            <a:schemeClr val="lt1"/>
+          </a:fontRef>
+        </p:style>
+        <p:txBody>
+          <a:bodyPr wrap="none" lIns="45720" rIns="45720" rtlCol="0" anchor="ctr"/>
+          <a:lstStyle/>
+          <a:p>
+            <a:r>
+              <a:rPr lang="en-US" sz="900" dirty="0" smtClean="0">
+                <a:solidFill>
+                  <a:srgbClr val="000000"/>
+                </a:solidFill>
+                <a:latin typeface="Courier New" panose="02070309020205020404" pitchFamily="49" charset="0"/>
+                <a:cs typeface="Courier New" panose="02070309020205020404" pitchFamily="49" charset="0"/>
+              </a:rPr>
+              <a:t>init_d1</a:t>
+            </a:r>
+            <a:endParaRPr lang="en-US" sz="900" dirty="0">
+              <a:solidFill>
+                <a:srgbClr val="000000"/>
+              </a:solidFill>
+              <a:latin typeface="Courier New" panose="02070309020205020404" pitchFamily="49" charset="0"/>
+              <a:cs typeface="Courier New" panose="02070309020205020404" pitchFamily="49" charset="0"/>
+            </a:endParaRPr>
+          </a:p>
+        </p:txBody>
+      </p:sp>
+      <p:cxnSp>
+        <p:nvCxnSpPr>
+          <p:cNvPr id="297" name="Straight Connector 296"/>
+          <p:cNvCxnSpPr>
+            <a:stCxn id="824" idx="3"/>
+          </p:cNvCxnSpPr>
+          <p:nvPr/>
+        </p:nvCxnSpPr>
+        <p:spPr>
+          <a:xfrm>
+            <a:off x="990600" y="2819400"/>
+            <a:ext cx="1219200" cy="0"/>
+          </a:xfrm>
+          <a:prstGeom prst="line">
+            <a:avLst/>
+          </a:prstGeom>
+          <a:ln w="12700">
+            <a:solidFill>
+              <a:srgbClr val="000000"/>
+            </a:solidFill>
+            <a:headEnd type="none" w="med" len="med"/>
+            <a:tailEnd type="triangle" w="med" len="med"/>
+          </a:ln>
+        </p:spPr>
+        <p:style>
+          <a:lnRef idx="1">
+            <a:schemeClr val="accent1"/>
+          </a:lnRef>
+          <a:fillRef idx="0">
+            <a:schemeClr val="accent1"/>
+          </a:fillRef>
+          <a:effectRef idx="0">
+            <a:schemeClr val="accent1"/>
+          </a:effectRef>
+          <a:fontRef idx="minor">
+            <a:schemeClr val="tx1"/>
+          </a:fontRef>
+        </p:style>
+      </p:cxnSp>
     </p:spTree>
     <p:extLst>
       <p:ext uri="{BB962C8B-B14F-4D97-AF65-F5344CB8AC3E}">
